--- a/esm-master.pptx
+++ b/esm-master.pptx
@@ -6,7 +6,7 @@
   </p:sldMasterIdLst>
   <p:sldIdLst>
     <p:sldId id="256" r:id="rId2"/>
-    <p:sldId id="258" r:id="rId3"/>
+    <p:sldId id="259" r:id="rId3"/>
   </p:sldIdLst>
   <p:sldSz cx="9144000" cy="6858000" type="screen4x3"/>
   <p:notesSz cx="6858000" cy="9144000"/>
@@ -7849,28 +7849,8 @@
           <a:lstStyle/>
           <a:p>
             <a:r>
-              <a:rPr lang="de-DE" dirty="0" err="1" smtClean="0"/>
-              <a:t>Get</a:t>
-            </a:r>
-            <a:r>
               <a:rPr lang="de-DE" dirty="0" smtClean="0"/>
-              <a:t> </a:t>
-            </a:r>
-            <a:r>
-              <a:rPr lang="de-DE" dirty="0" err="1" smtClean="0"/>
-              <a:t>it</a:t>
-            </a:r>
-            <a:r>
-              <a:rPr lang="de-DE" dirty="0" smtClean="0"/>
-              <a:t> </a:t>
-            </a:r>
-            <a:r>
-              <a:rPr lang="de-DE" dirty="0" err="1" smtClean="0"/>
-              <a:t>from</a:t>
-            </a:r>
-            <a:r>
-              <a:rPr lang="de-DE" dirty="0" smtClean="0"/>
-              <a:t>:</a:t>
+              <a:t>Download:</a:t>
             </a:r>
             <a:endParaRPr lang="de-DE" dirty="0"/>
           </a:p>
@@ -7888,40 +7868,276 @@
         </p:nvSpPr>
         <p:spPr>
           <a:xfrm>
-            <a:off x="900113" y="2114886"/>
-            <a:ext cx="7455150" cy="3931920"/>
+            <a:off x="454526" y="2114886"/>
+            <a:ext cx="8301790" cy="3931920"/>
           </a:xfrm>
         </p:spPr>
         <p:txBody>
-          <a:bodyPr/>
+          <a:bodyPr>
+            <a:normAutofit/>
+          </a:bodyPr>
           <a:lstStyle/>
           <a:p>
             <a:pPr marL="0" indent="0" algn="ctr">
               <a:buNone/>
             </a:pPr>
             <a:r>
+              <a:rPr lang="de-DE" dirty="0" smtClean="0">
+                <a:latin typeface="STIXNonUnicode-Regular"/>
+                <a:cs typeface="STIXNonUnicode-Regular"/>
+              </a:rPr>
+              <a:t>`</a:t>
+            </a:r>
+            <a:r>
+              <a:rPr lang="de-DE" dirty="0" err="1" smtClean="0">
+                <a:latin typeface="STIXNonUnicode-Regular"/>
+                <a:cs typeface="STIXNonUnicode-Regular"/>
+              </a:rPr>
+              <a:t>git</a:t>
+            </a:r>
+            <a:r>
+              <a:rPr lang="de-DE" dirty="0" smtClean="0">
+                <a:latin typeface="STIXNonUnicode-Regular"/>
+                <a:cs typeface="STIXNonUnicode-Regular"/>
+              </a:rPr>
+              <a:t> </a:t>
+            </a:r>
+            <a:r>
+              <a:rPr lang="de-DE" dirty="0" err="1" smtClean="0">
+                <a:latin typeface="STIXNonUnicode-Regular"/>
+                <a:cs typeface="STIXNonUnicode-Regular"/>
+              </a:rPr>
+              <a:t>clone</a:t>
+            </a:r>
+            <a:r>
+              <a:rPr lang="de-DE" dirty="0" smtClean="0">
+                <a:latin typeface="STIXNonUnicode-Regular"/>
+                <a:cs typeface="STIXNonUnicode-Regular"/>
+              </a:rPr>
+              <a:t> https</a:t>
+            </a:r>
+            <a:r>
+              <a:rPr lang="de-DE" dirty="0">
+                <a:latin typeface="STIXNonUnicode-Regular"/>
+                <a:cs typeface="STIXNonUnicode-Regular"/>
+              </a:rPr>
+              <a:t>//</a:t>
+            </a:r>
+            <a:r>
+              <a:rPr lang="de-DE" dirty="0" err="1">
+                <a:latin typeface="STIXNonUnicode-Regular"/>
+                <a:cs typeface="STIXNonUnicode-Regular"/>
+              </a:rPr>
+              <a:t>gitlab.dkrz.de</a:t>
+            </a:r>
+            <a:r>
+              <a:rPr lang="de-DE" dirty="0">
+                <a:latin typeface="STIXNonUnicode-Regular"/>
+                <a:cs typeface="STIXNonUnicode-Regular"/>
+              </a:rPr>
+              <a:t>/</a:t>
+            </a:r>
+            <a:r>
+              <a:rPr lang="de-DE" dirty="0" err="1">
+                <a:latin typeface="STIXNonUnicode-Regular"/>
+                <a:cs typeface="STIXNonUnicode-Regular"/>
+              </a:rPr>
+              <a:t>esm</a:t>
+            </a:r>
+            <a:r>
+              <a:rPr lang="de-DE" dirty="0">
+                <a:latin typeface="STIXNonUnicode-Regular"/>
+                <a:cs typeface="STIXNonUnicode-Regular"/>
+              </a:rPr>
+              <a:t>-tools/</a:t>
+            </a:r>
+            <a:r>
+              <a:rPr lang="de-DE" dirty="0" err="1">
+                <a:latin typeface="STIXNonUnicode-Regular"/>
+                <a:cs typeface="STIXNonUnicode-Regular"/>
+              </a:rPr>
+              <a:t>esm-</a:t>
+            </a:r>
+            <a:r>
+              <a:rPr lang="de-DE" dirty="0" err="1" smtClean="0">
+                <a:latin typeface="STIXNonUnicode-Regular"/>
+                <a:cs typeface="STIXNonUnicode-Regular"/>
+              </a:rPr>
+              <a:t>master.git</a:t>
+            </a:r>
+            <a:r>
+              <a:rPr lang="de-DE" dirty="0" smtClean="0">
+                <a:latin typeface="STIXNonUnicode-Regular"/>
+                <a:cs typeface="STIXNonUnicode-Regular"/>
+              </a:rPr>
+              <a:t>`</a:t>
+            </a:r>
+            <a:endParaRPr lang="de-DE" dirty="0" smtClean="0">
+              <a:latin typeface="STIXNonUnicode-Regular"/>
+              <a:cs typeface="STIXNonUnicode-Regular"/>
+            </a:endParaRPr>
+          </a:p>
+          <a:p>
+            <a:pPr marL="0" indent="0" algn="ctr">
+              <a:buNone/>
+            </a:pPr>
+            <a:endParaRPr lang="de-DE" dirty="0"/>
+          </a:p>
+          <a:p>
+            <a:pPr marL="0" indent="0" algn="ctr">
+              <a:spcBef>
+                <a:spcPts val="200"/>
+              </a:spcBef>
+              <a:buNone/>
+            </a:pPr>
+            <a:r>
+              <a:rPr lang="de-DE" dirty="0" err="1" smtClean="0"/>
+              <a:t>No</a:t>
+            </a:r>
+            <a:r>
               <a:rPr lang="de-DE" dirty="0" smtClean="0"/>
-              <a:t>https//</a:t>
+              <a:t> </a:t>
             </a:r>
             <a:r>
               <a:rPr lang="de-DE" dirty="0" err="1" smtClean="0"/>
-              <a:t>gitlab.dkrz.de</a:t>
+              <a:t>installation</a:t>
             </a:r>
             <a:r>
               <a:rPr lang="de-DE" dirty="0" smtClean="0"/>
-              <a:t>/</a:t>
+              <a:t> </a:t>
             </a:r>
             <a:r>
               <a:rPr lang="de-DE" dirty="0" err="1" smtClean="0"/>
-              <a:t>esm</a:t>
+              <a:t>required</a:t>
             </a:r>
             <a:r>
               <a:rPr lang="de-DE" dirty="0" smtClean="0"/>
-              <a:t>-tools/</a:t>
-            </a:r>
+              <a:t>, </a:t>
+            </a:r>
+          </a:p>
+          <a:p>
+            <a:pPr marL="0" indent="0" algn="ctr">
+              <a:spcBef>
+                <a:spcPts val="200"/>
+              </a:spcBef>
+              <a:buNone/>
+            </a:pPr>
             <a:r>
               <a:rPr lang="de-DE" dirty="0" err="1" smtClean="0"/>
-              <a:t>esm-master.git</a:t>
+              <a:t>configuration</a:t>
+            </a:r>
+            <a:r>
+              <a:rPr lang="de-DE" dirty="0" smtClean="0"/>
+              <a:t> </a:t>
+            </a:r>
+            <a:r>
+              <a:rPr lang="de-DE" dirty="0" err="1" smtClean="0"/>
+              <a:t>happens</a:t>
+            </a:r>
+            <a:r>
+              <a:rPr lang="de-DE" dirty="0" smtClean="0"/>
+              <a:t> </a:t>
+            </a:r>
+            <a:r>
+              <a:rPr lang="de-DE" dirty="0" err="1" smtClean="0"/>
+              <a:t>automatically</a:t>
+            </a:r>
+            <a:endParaRPr lang="de-DE" dirty="0" smtClean="0"/>
+          </a:p>
+          <a:p>
+            <a:pPr marL="0" indent="0" algn="ctr">
+              <a:spcBef>
+                <a:spcPts val="800"/>
+              </a:spcBef>
+              <a:buNone/>
+            </a:pPr>
+            <a:endParaRPr lang="de-DE" dirty="0" smtClean="0"/>
+          </a:p>
+          <a:p>
+            <a:pPr marL="0" indent="0" algn="ctr">
+              <a:spcBef>
+                <a:spcPts val="800"/>
+              </a:spcBef>
+              <a:buNone/>
+            </a:pPr>
+            <a:r>
+              <a:rPr lang="de-DE" dirty="0" err="1"/>
+              <a:t>N</a:t>
+            </a:r>
+            <a:r>
+              <a:rPr lang="de-DE" dirty="0" err="1" smtClean="0"/>
+              <a:t>ow</a:t>
+            </a:r>
+            <a:r>
+              <a:rPr lang="de-DE" dirty="0" smtClean="0"/>
+              <a:t> type </a:t>
+            </a:r>
+          </a:p>
+          <a:p>
+            <a:pPr marL="0" indent="0" algn="ctr">
+              <a:spcBef>
+                <a:spcPts val="800"/>
+              </a:spcBef>
+              <a:buNone/>
+            </a:pPr>
+            <a:r>
+              <a:rPr lang="de-DE" dirty="0" smtClean="0"/>
+              <a:t>`</a:t>
+            </a:r>
+            <a:r>
+              <a:rPr lang="de-DE" dirty="0" err="1" smtClean="0">
+                <a:latin typeface="STIXNonUnicode-Regular"/>
+                <a:cs typeface="STIXNonUnicode-Regular"/>
+              </a:rPr>
+              <a:t>make</a:t>
+            </a:r>
+            <a:r>
+              <a:rPr lang="de-DE" dirty="0" smtClean="0"/>
+              <a:t>`</a:t>
+            </a:r>
+            <a:r>
+              <a:rPr lang="de-DE" dirty="0" smtClean="0"/>
+              <a:t> </a:t>
+            </a:r>
+          </a:p>
+          <a:p>
+            <a:pPr marL="0" indent="0" algn="ctr">
+              <a:spcBef>
+                <a:spcPts val="800"/>
+              </a:spcBef>
+              <a:buNone/>
+            </a:pPr>
+            <a:r>
+              <a:rPr lang="de-DE" dirty="0" err="1" smtClean="0"/>
+              <a:t>to</a:t>
+            </a:r>
+            <a:r>
+              <a:rPr lang="de-DE" dirty="0" smtClean="0"/>
+              <a:t> </a:t>
+            </a:r>
+            <a:r>
+              <a:rPr lang="de-DE" dirty="0" err="1" smtClean="0"/>
+              <a:t>see</a:t>
+            </a:r>
+            <a:r>
+              <a:rPr lang="de-DE" dirty="0" smtClean="0"/>
+              <a:t> </a:t>
+            </a:r>
+            <a:r>
+              <a:rPr lang="de-DE" dirty="0" err="1" smtClean="0"/>
+              <a:t>what</a:t>
+            </a:r>
+            <a:r>
+              <a:rPr lang="de-DE" dirty="0" smtClean="0"/>
+              <a:t> </a:t>
+            </a:r>
+            <a:r>
+              <a:rPr lang="de-DE" dirty="0" err="1" smtClean="0"/>
+              <a:t>happens</a:t>
+            </a:r>
+            <a:r>
+              <a:rPr lang="de-DE" dirty="0" smtClean="0"/>
+              <a:t>!</a:t>
             </a:r>
             <a:endParaRPr lang="de-DE" dirty="0"/>
           </a:p>
@@ -7930,7 +8146,7 @@
     </p:spTree>
     <p:extLst>
       <p:ext uri="{BB962C8B-B14F-4D97-AF65-F5344CB8AC3E}">
-        <p14:creationId xmlns:p14="http://schemas.microsoft.com/office/powerpoint/2010/main" val="2965172620"/>
+        <p14:creationId xmlns:p14="http://schemas.microsoft.com/office/powerpoint/2010/main" val="1727852475"/>
       </p:ext>
     </p:extLst>
   </p:cSld>

--- a/esm-master.pptx
+++ b/esm-master.pptx
@@ -7,6 +7,15 @@
   <p:sldIdLst>
     <p:sldId id="256" r:id="rId2"/>
     <p:sldId id="259" r:id="rId3"/>
+    <p:sldId id="260" r:id="rId4"/>
+    <p:sldId id="261" r:id="rId5"/>
+    <p:sldId id="262" r:id="rId6"/>
+    <p:sldId id="263" r:id="rId7"/>
+    <p:sldId id="264" r:id="rId8"/>
+    <p:sldId id="265" r:id="rId9"/>
+    <p:sldId id="268" r:id="rId10"/>
+    <p:sldId id="267" r:id="rId11"/>
+    <p:sldId id="266" r:id="rId12"/>
   </p:sldIdLst>
   <p:sldSz cx="9144000" cy="6858000" type="screen4x3"/>
   <p:notesSz cx="6858000" cy="9144000"/>
@@ -105,6 +114,22 @@
       </a:defRPr>
     </a:lvl9pPr>
   </p:defaultTextStyle>
+  <p:extLst>
+    <p:ext uri="{EFAFB233-063F-42B5-8137-9DF3F51BA10A}">
+      <p15:sldGuideLst xmlns:p15="http://schemas.microsoft.com/office/powerpoint/2012/main">
+        <p15:guide id="1" orient="horz" pos="2160">
+          <p15:clr>
+            <a:srgbClr val="A4A3A4"/>
+          </p15:clr>
+        </p15:guide>
+        <p15:guide id="2" pos="2880">
+          <p15:clr>
+            <a:srgbClr val="A4A3A4"/>
+          </p15:clr>
+        </p15:guide>
+      </p15:sldGuideLst>
+    </p:ext>
+  </p:extLst>
 </p:presentation>
 </file>
 
@@ -544,7 +569,7 @@
           <a:p>
             <a:fld id="{7D290233-0DD1-4A80-BB1E-9ADC3556DBB6}" type="datetimeFigureOut">
               <a:rPr lang="en-US" smtClean="0"/>
-              <a:t>14.06.18</a:t>
+              <a:t>6/16/18</a:t>
             </a:fld>
             <a:endParaRPr lang="en-US"/>
           </a:p>
@@ -596,7 +621,7 @@
           <a:p>
             <a:fld id="{CFE4BAC9-6D41-4691-9299-18EF07EF0177}" type="slidenum">
               <a:rPr lang="en-US" smtClean="0"/>
-              <a:t>‹Nr.›</a:t>
+              <a:t>‹#›</a:t>
             </a:fld>
             <a:endParaRPr lang="en-US"/>
           </a:p>
@@ -1183,7 +1208,7 @@
           <a:p>
             <a:fld id="{7D290233-0DD1-4A80-BB1E-9ADC3556DBB6}" type="datetimeFigureOut">
               <a:rPr lang="en-US" smtClean="0"/>
-              <a:t>14.06.18</a:t>
+              <a:t>6/16/18</a:t>
             </a:fld>
             <a:endParaRPr lang="en-US"/>
           </a:p>
@@ -1225,7 +1250,7 @@
           <a:p>
             <a:fld id="{CFE4BAC9-6D41-4691-9299-18EF07EF0177}" type="slidenum">
               <a:rPr lang="en-US" smtClean="0"/>
-              <a:t>‹Nr.›</a:t>
+              <a:t>‹#›</a:t>
             </a:fld>
             <a:endParaRPr lang="en-US"/>
           </a:p>
@@ -1755,7 +1780,7 @@
           <a:p>
             <a:fld id="{7D290233-0DD1-4A80-BB1E-9ADC3556DBB6}" type="datetimeFigureOut">
               <a:rPr lang="en-US" smtClean="0"/>
-              <a:t>14.06.18</a:t>
+              <a:t>6/16/18</a:t>
             </a:fld>
             <a:endParaRPr lang="en-US"/>
           </a:p>
@@ -1797,7 +1822,7 @@
           <a:p>
             <a:fld id="{CFE4BAC9-6D41-4691-9299-18EF07EF0177}" type="slidenum">
               <a:rPr lang="en-US" smtClean="0"/>
-              <a:t>‹Nr.›</a:t>
+              <a:t>‹#›</a:t>
             </a:fld>
             <a:endParaRPr lang="en-US"/>
           </a:p>
@@ -2289,7 +2314,7 @@
           <a:p>
             <a:fld id="{7D290233-0DD1-4A80-BB1E-9ADC3556DBB6}" type="datetimeFigureOut">
               <a:rPr lang="en-US" smtClean="0"/>
-              <a:t>14.06.18</a:t>
+              <a:t>6/16/18</a:t>
             </a:fld>
             <a:endParaRPr lang="en-US"/>
           </a:p>
@@ -2331,7 +2356,7 @@
           <a:p>
             <a:fld id="{CFE4BAC9-6D41-4691-9299-18EF07EF0177}" type="slidenum">
               <a:rPr lang="en-US" smtClean="0"/>
-              <a:t>‹Nr.›</a:t>
+              <a:t>‹#›</a:t>
             </a:fld>
             <a:endParaRPr lang="en-US"/>
           </a:p>
@@ -2719,7 +2744,7 @@
           <a:p>
             <a:fld id="{7D290233-0DD1-4A80-BB1E-9ADC3556DBB6}" type="datetimeFigureOut">
               <a:rPr lang="en-US" smtClean="0"/>
-              <a:t>14.06.18</a:t>
+              <a:t>6/16/18</a:t>
             </a:fld>
             <a:endParaRPr lang="en-US"/>
           </a:p>
@@ -2761,7 +2786,7 @@
           <a:p>
             <a:fld id="{CFE4BAC9-6D41-4691-9299-18EF07EF0177}" type="slidenum">
               <a:rPr lang="en-US" smtClean="0"/>
-              <a:t>‹Nr.›</a:t>
+              <a:t>‹#›</a:t>
             </a:fld>
             <a:endParaRPr lang="en-US"/>
           </a:p>
@@ -3180,7 +3205,7 @@
           <a:p>
             <a:fld id="{7D290233-0DD1-4A80-BB1E-9ADC3556DBB6}" type="datetimeFigureOut">
               <a:rPr lang="en-US" smtClean="0"/>
-              <a:t>14.06.18</a:t>
+              <a:t>6/16/18</a:t>
             </a:fld>
             <a:endParaRPr lang="en-US"/>
           </a:p>
@@ -3222,7 +3247,7 @@
           <a:p>
             <a:fld id="{CFE4BAC9-6D41-4691-9299-18EF07EF0177}" type="slidenum">
               <a:rPr lang="en-US" smtClean="0"/>
-              <a:t>‹Nr.›</a:t>
+              <a:t>‹#›</a:t>
             </a:fld>
             <a:endParaRPr lang="en-US"/>
           </a:p>
@@ -3610,7 +3635,7 @@
           <a:p>
             <a:fld id="{7D290233-0DD1-4A80-BB1E-9ADC3556DBB6}" type="datetimeFigureOut">
               <a:rPr lang="en-US" smtClean="0"/>
-              <a:t>14.06.18</a:t>
+              <a:t>6/16/18</a:t>
             </a:fld>
             <a:endParaRPr lang="en-US"/>
           </a:p>
@@ -3652,7 +3677,7 @@
           <a:p>
             <a:fld id="{CFE4BAC9-6D41-4691-9299-18EF07EF0177}" type="slidenum">
               <a:rPr lang="en-US" smtClean="0"/>
-              <a:t>‹Nr.›</a:t>
+              <a:t>‹#›</a:t>
             </a:fld>
             <a:endParaRPr lang="en-US"/>
           </a:p>
@@ -4084,7 +4109,7 @@
           <a:p>
             <a:fld id="{7D290233-0DD1-4A80-BB1E-9ADC3556DBB6}" type="datetimeFigureOut">
               <a:rPr lang="en-US" smtClean="0"/>
-              <a:t>14.06.18</a:t>
+              <a:t>6/16/18</a:t>
             </a:fld>
             <a:endParaRPr lang="en-US"/>
           </a:p>
@@ -4534,7 +4559,7 @@
           <a:p>
             <a:fld id="{7D290233-0DD1-4A80-BB1E-9ADC3556DBB6}" type="datetimeFigureOut">
               <a:rPr lang="en-US" smtClean="0"/>
-              <a:t>14.06.18</a:t>
+              <a:t>6/16/18</a:t>
             </a:fld>
             <a:endParaRPr lang="en-US"/>
           </a:p>
@@ -4576,7 +4601,7 @@
           <a:p>
             <a:fld id="{CFE4BAC9-6D41-4691-9299-18EF07EF0177}" type="slidenum">
               <a:rPr lang="en-US" smtClean="0"/>
-              <a:t>‹Nr.›</a:t>
+              <a:t>‹#›</a:t>
             </a:fld>
             <a:endParaRPr lang="en-US"/>
           </a:p>
@@ -5054,7 +5079,7 @@
           <a:p>
             <a:fld id="{7D290233-0DD1-4A80-BB1E-9ADC3556DBB6}" type="datetimeFigureOut">
               <a:rPr lang="en-US" smtClean="0"/>
-              <a:t>14.06.18</a:t>
+              <a:t>6/16/18</a:t>
             </a:fld>
             <a:endParaRPr lang="en-US"/>
           </a:p>
@@ -5096,7 +5121,7 @@
           <a:p>
             <a:fld id="{CFE4BAC9-6D41-4691-9299-18EF07EF0177}" type="slidenum">
               <a:rPr lang="en-US" smtClean="0"/>
-              <a:t>‹Nr.›</a:t>
+              <a:t>‹#›</a:t>
             </a:fld>
             <a:endParaRPr lang="en-US"/>
           </a:p>
@@ -5830,7 +5855,7 @@
           <a:p>
             <a:fld id="{7D290233-0DD1-4A80-BB1E-9ADC3556DBB6}" type="datetimeFigureOut">
               <a:rPr lang="en-US" smtClean="0"/>
-              <a:t>14.06.18</a:t>
+              <a:t>6/16/18</a:t>
             </a:fld>
             <a:endParaRPr lang="en-US"/>
           </a:p>
@@ -5872,7 +5897,7 @@
           <a:p>
             <a:fld id="{CFE4BAC9-6D41-4691-9299-18EF07EF0177}" type="slidenum">
               <a:rPr lang="en-US" smtClean="0"/>
-              <a:t>‹Nr.›</a:t>
+              <a:t>‹#›</a:t>
             </a:fld>
             <a:endParaRPr lang="en-US"/>
           </a:p>
@@ -6176,7 +6201,7 @@
           <a:p>
             <a:fld id="{7D290233-0DD1-4A80-BB1E-9ADC3556DBB6}" type="datetimeFigureOut">
               <a:rPr lang="en-US" smtClean="0"/>
-              <a:t>14.06.18</a:t>
+              <a:t>6/16/18</a:t>
             </a:fld>
             <a:endParaRPr lang="en-US"/>
           </a:p>
@@ -6218,7 +6243,7 @@
           <a:p>
             <a:fld id="{CFE4BAC9-6D41-4691-9299-18EF07EF0177}" type="slidenum">
               <a:rPr lang="en-US" smtClean="0"/>
-              <a:t>‹Nr.›</a:t>
+              <a:t>‹#›</a:t>
             </a:fld>
             <a:endParaRPr lang="en-US"/>
           </a:p>
@@ -6445,7 +6470,7 @@
           <a:p>
             <a:fld id="{7D290233-0DD1-4A80-BB1E-9ADC3556DBB6}" type="datetimeFigureOut">
               <a:rPr lang="en-US" smtClean="0"/>
-              <a:t>14.06.18</a:t>
+              <a:t>6/16/18</a:t>
             </a:fld>
             <a:endParaRPr lang="en-US"/>
           </a:p>
@@ -6487,7 +6512,7 @@
           <a:p>
             <a:fld id="{CFE4BAC9-6D41-4691-9299-18EF07EF0177}" type="slidenum">
               <a:rPr lang="en-US" smtClean="0"/>
-              <a:t>‹Nr.›</a:t>
+              <a:t>‹#›</a:t>
             </a:fld>
             <a:endParaRPr lang="en-US"/>
           </a:p>
@@ -7030,7 +7055,7 @@
           <a:p>
             <a:fld id="{7D290233-0DD1-4A80-BB1E-9ADC3556DBB6}" type="datetimeFigureOut">
               <a:rPr lang="en-US" smtClean="0"/>
-              <a:t>14.06.18</a:t>
+              <a:t>6/16/18</a:t>
             </a:fld>
             <a:endParaRPr lang="en-US"/>
           </a:p>
@@ -7072,7 +7097,7 @@
           <a:p>
             <a:fld id="{CFE4BAC9-6D41-4691-9299-18EF07EF0177}" type="slidenum">
               <a:rPr lang="en-US" smtClean="0"/>
-              <a:t>‹Nr.›</a:t>
+              <a:t>‹#›</a:t>
             </a:fld>
             <a:endParaRPr lang="en-US"/>
           </a:p>
@@ -7268,7 +7293,7 @@
           <a:p>
             <a:fld id="{7D290233-0DD1-4A80-BB1E-9ADC3556DBB6}" type="datetimeFigureOut">
               <a:rPr lang="en-US" smtClean="0"/>
-              <a:t>14.06.18</a:t>
+              <a:t>6/16/18</a:t>
             </a:fld>
             <a:endParaRPr lang="en-US"/>
           </a:p>
@@ -7354,7 +7379,7 @@
           <a:p>
             <a:fld id="{CFE4BAC9-6D41-4691-9299-18EF07EF0177}" type="slidenum">
               <a:rPr lang="en-US" smtClean="0"/>
-              <a:t>‹Nr.›</a:t>
+              <a:t>‹#›</a:t>
             </a:fld>
             <a:endParaRPr lang="en-US"/>
           </a:p>
@@ -7816,6 +7841,909 @@
 </p:sld>
 </file>
 
+<file path=ppt/slides/slide10.xml><?xml version="1.0" encoding="utf-8"?>
+<p:sld xmlns:a="http://schemas.openxmlformats.org/drawingml/2006/main" xmlns:r="http://schemas.openxmlformats.org/officeDocument/2006/relationships" xmlns:p="http://schemas.openxmlformats.org/presentationml/2006/main">
+  <p:cSld>
+    <p:spTree>
+      <p:nvGrpSpPr>
+        <p:cNvPr id="1" name=""/>
+        <p:cNvGrpSpPr/>
+        <p:nvPr/>
+      </p:nvGrpSpPr>
+      <p:grpSpPr>
+        <a:xfrm>
+          <a:off x="0" y="0"/>
+          <a:ext cx="0" cy="0"/>
+          <a:chOff x="0" y="0"/>
+          <a:chExt cx="0" cy="0"/>
+        </a:xfrm>
+      </p:grpSpPr>
+      <p:sp>
+        <p:nvSpPr>
+          <p:cNvPr id="2" name="Titel 1"/>
+          <p:cNvSpPr>
+            <a:spLocks noGrp="1"/>
+          </p:cNvSpPr>
+          <p:nvPr>
+            <p:ph type="title"/>
+          </p:nvPr>
+        </p:nvSpPr>
+        <p:spPr/>
+        <p:txBody>
+          <a:bodyPr>
+            <a:normAutofit/>
+          </a:bodyPr>
+          <a:lstStyle/>
+          <a:p>
+            <a:r>
+              <a:rPr lang="de-DE" dirty="0" err="1" smtClean="0"/>
+              <a:t>Learn</a:t>
+            </a:r>
+            <a:r>
+              <a:rPr lang="de-DE" dirty="0" smtClean="0"/>
+              <a:t> </a:t>
+            </a:r>
+            <a:r>
+              <a:rPr lang="de-DE" dirty="0" err="1" smtClean="0"/>
+              <a:t>more</a:t>
+            </a:r>
+            <a:r>
+              <a:rPr lang="de-DE" dirty="0" smtClean="0"/>
+              <a:t>:</a:t>
+            </a:r>
+            <a:endParaRPr lang="de-DE" dirty="0"/>
+          </a:p>
+        </p:txBody>
+      </p:sp>
+      <p:sp>
+        <p:nvSpPr>
+          <p:cNvPr id="3" name="Inhaltsplatzhalter 2"/>
+          <p:cNvSpPr>
+            <a:spLocks noGrp="1"/>
+          </p:cNvSpPr>
+          <p:nvPr>
+            <p:ph idx="1"/>
+          </p:nvPr>
+        </p:nvSpPr>
+        <p:spPr>
+          <a:xfrm>
+            <a:off x="454526" y="2114886"/>
+            <a:ext cx="8301790" cy="3931920"/>
+          </a:xfrm>
+        </p:spPr>
+        <p:txBody>
+          <a:bodyPr>
+            <a:normAutofit/>
+          </a:bodyPr>
+          <a:lstStyle/>
+          <a:p>
+            <a:pPr marL="0" indent="0" algn="ctr">
+              <a:spcBef>
+                <a:spcPts val="800"/>
+              </a:spcBef>
+              <a:buNone/>
+            </a:pPr>
+            <a:r>
+              <a:rPr lang="de-DE" dirty="0" smtClean="0">
+                <a:latin typeface="STIXNonUnicode-Regular" charset="0"/>
+                <a:ea typeface="STIXNonUnicode-Regular" charset="0"/>
+                <a:cs typeface="STIXNonUnicode-Regular" charset="0"/>
+              </a:rPr>
+              <a:t>Check out </a:t>
+            </a:r>
+            <a:r>
+              <a:rPr lang="de-DE" dirty="0" err="1" smtClean="0">
+                <a:latin typeface="STIXNonUnicode-Regular" charset="0"/>
+                <a:ea typeface="STIXNonUnicode-Regular" charset="0"/>
+                <a:cs typeface="STIXNonUnicode-Regular" charset="0"/>
+              </a:rPr>
+              <a:t>the</a:t>
+            </a:r>
+            <a:r>
+              <a:rPr lang="de-DE" dirty="0" smtClean="0">
+                <a:latin typeface="STIXNonUnicode-Regular" charset="0"/>
+                <a:ea typeface="STIXNonUnicode-Regular" charset="0"/>
+                <a:cs typeface="STIXNonUnicode-Regular" charset="0"/>
+              </a:rPr>
+              <a:t> </a:t>
+            </a:r>
+            <a:r>
+              <a:rPr lang="de-DE" dirty="0" err="1" smtClean="0">
+                <a:latin typeface="STIXNonUnicode-Regular" charset="0"/>
+                <a:ea typeface="STIXNonUnicode-Regular" charset="0"/>
+                <a:cs typeface="STIXNonUnicode-Regular" charset="0"/>
+              </a:rPr>
+              <a:t>documentation</a:t>
+            </a:r>
+            <a:r>
+              <a:rPr lang="de-DE" dirty="0" smtClean="0">
+                <a:latin typeface="STIXNonUnicode-Regular" charset="0"/>
+                <a:ea typeface="STIXNonUnicode-Regular" charset="0"/>
+                <a:cs typeface="STIXNonUnicode-Regular" charset="0"/>
+              </a:rPr>
+              <a:t>, </a:t>
+            </a:r>
+            <a:r>
+              <a:rPr lang="de-DE" dirty="0" err="1" smtClean="0">
+                <a:latin typeface="STIXNonUnicode-Regular" charset="0"/>
+                <a:ea typeface="STIXNonUnicode-Regular" charset="0"/>
+                <a:cs typeface="STIXNonUnicode-Regular" charset="0"/>
+              </a:rPr>
+              <a:t>available</a:t>
+            </a:r>
+            <a:r>
+              <a:rPr lang="de-DE" dirty="0" smtClean="0">
+                <a:latin typeface="STIXNonUnicode-Regular" charset="0"/>
+                <a:ea typeface="STIXNonUnicode-Regular" charset="0"/>
+                <a:cs typeface="STIXNonUnicode-Regular" charset="0"/>
+              </a:rPr>
+              <a:t> </a:t>
+            </a:r>
+            <a:r>
+              <a:rPr lang="de-DE" dirty="0" err="1" smtClean="0">
+                <a:latin typeface="STIXNonUnicode-Regular" charset="0"/>
+                <a:ea typeface="STIXNonUnicode-Regular" charset="0"/>
+                <a:cs typeface="STIXNonUnicode-Regular" charset="0"/>
+              </a:rPr>
+              <a:t>by</a:t>
+            </a:r>
+            <a:r>
+              <a:rPr lang="de-DE" dirty="0" smtClean="0">
+                <a:latin typeface="STIXNonUnicode-Regular" charset="0"/>
+                <a:ea typeface="STIXNonUnicode-Regular" charset="0"/>
+                <a:cs typeface="STIXNonUnicode-Regular" charset="0"/>
+              </a:rPr>
+              <a:t> </a:t>
+            </a:r>
+            <a:r>
+              <a:rPr lang="de-DE" dirty="0" err="1" smtClean="0">
+                <a:latin typeface="STIXNonUnicode-Regular" charset="0"/>
+                <a:ea typeface="STIXNonUnicode-Regular" charset="0"/>
+                <a:cs typeface="STIXNonUnicode-Regular" charset="0"/>
+              </a:rPr>
+              <a:t>typing</a:t>
+            </a:r>
+            <a:r>
+              <a:rPr lang="de-DE" dirty="0" smtClean="0">
+                <a:latin typeface="STIXNonUnicode-Regular" charset="0"/>
+                <a:ea typeface="STIXNonUnicode-Regular" charset="0"/>
+                <a:cs typeface="STIXNonUnicode-Regular" charset="0"/>
+              </a:rPr>
+              <a:t> </a:t>
+            </a:r>
+          </a:p>
+          <a:p>
+            <a:pPr marL="0" indent="0" algn="ctr">
+              <a:spcBef>
+                <a:spcPts val="800"/>
+              </a:spcBef>
+              <a:buNone/>
+            </a:pPr>
+            <a:endParaRPr lang="de-DE" dirty="0" smtClean="0">
+              <a:latin typeface="STIXNonUnicode-Regular" charset="0"/>
+              <a:ea typeface="STIXNonUnicode-Regular" charset="0"/>
+              <a:cs typeface="STIXNonUnicode-Regular" charset="0"/>
+            </a:endParaRPr>
+          </a:p>
+          <a:p>
+            <a:pPr marL="0" indent="0" algn="ctr">
+              <a:spcBef>
+                <a:spcPts val="800"/>
+              </a:spcBef>
+              <a:buNone/>
+            </a:pPr>
+            <a:r>
+              <a:rPr lang="de-DE" dirty="0" smtClean="0">
+                <a:latin typeface="STIXNonUnicode-Regular" charset="0"/>
+                <a:ea typeface="STIXNonUnicode-Regular" charset="0"/>
+                <a:cs typeface="STIXNonUnicode-Regular" charset="0"/>
+              </a:rPr>
+              <a:t>'</a:t>
+            </a:r>
+            <a:r>
+              <a:rPr lang="de-DE" i="1" dirty="0" err="1" smtClean="0">
+                <a:latin typeface="STIXNonUnicode-Regular" charset="0"/>
+                <a:ea typeface="STIXNonUnicode-Regular" charset="0"/>
+                <a:cs typeface="STIXNonUnicode-Regular" charset="0"/>
+              </a:rPr>
+              <a:t>make</a:t>
+            </a:r>
+            <a:r>
+              <a:rPr lang="de-DE" i="1" dirty="0" smtClean="0">
+                <a:latin typeface="STIXNonUnicode-Regular" charset="0"/>
+                <a:ea typeface="STIXNonUnicode-Regular" charset="0"/>
+                <a:cs typeface="STIXNonUnicode-Regular" charset="0"/>
+              </a:rPr>
+              <a:t> </a:t>
+            </a:r>
+            <a:r>
+              <a:rPr lang="de-DE" i="1" dirty="0" err="1" smtClean="0">
+                <a:latin typeface="STIXNonUnicode-Regular" charset="0"/>
+                <a:ea typeface="STIXNonUnicode-Regular" charset="0"/>
+                <a:cs typeface="STIXNonUnicode-Regular" charset="0"/>
+              </a:rPr>
+              <a:t>get-esm-usermanual</a:t>
+            </a:r>
+            <a:r>
+              <a:rPr lang="de-DE" dirty="0" smtClean="0">
+                <a:latin typeface="STIXNonUnicode-Regular" charset="0"/>
+                <a:ea typeface="STIXNonUnicode-Regular" charset="0"/>
+                <a:cs typeface="STIXNonUnicode-Regular" charset="0"/>
+              </a:rPr>
+              <a:t>'</a:t>
+            </a:r>
+          </a:p>
+          <a:p>
+            <a:pPr marL="0" indent="0" algn="ctr">
+              <a:spcBef>
+                <a:spcPts val="800"/>
+              </a:spcBef>
+              <a:buNone/>
+            </a:pPr>
+            <a:endParaRPr lang="de-DE" dirty="0" smtClean="0"/>
+          </a:p>
+          <a:p>
+            <a:pPr marL="0" indent="0" algn="ctr">
+              <a:spcBef>
+                <a:spcPts val="800"/>
+              </a:spcBef>
+              <a:buNone/>
+            </a:pPr>
+            <a:r>
+              <a:rPr lang="de-DE" dirty="0" err="1" smtClean="0"/>
+              <a:t>or</a:t>
+            </a:r>
+            <a:endParaRPr lang="de-DE" dirty="0" smtClean="0"/>
+          </a:p>
+          <a:p>
+            <a:pPr marL="0" indent="0" algn="ctr">
+              <a:spcBef>
+                <a:spcPts val="800"/>
+              </a:spcBef>
+              <a:buNone/>
+            </a:pPr>
+            <a:endParaRPr lang="de-DE" dirty="0"/>
+          </a:p>
+          <a:p>
+            <a:pPr marL="0" indent="0" algn="ctr">
+              <a:spcBef>
+                <a:spcPts val="800"/>
+              </a:spcBef>
+              <a:buNone/>
+            </a:pPr>
+            <a:r>
+              <a:rPr lang="de-DE" dirty="0">
+                <a:latin typeface="STIXNonUnicode-Regular" charset="0"/>
+                <a:ea typeface="STIXNonUnicode-Regular" charset="0"/>
+                <a:cs typeface="STIXNonUnicode-Regular" charset="0"/>
+              </a:rPr>
+              <a:t>'</a:t>
+            </a:r>
+            <a:r>
+              <a:rPr lang="de-DE" i="1" dirty="0" err="1" smtClean="0">
+                <a:latin typeface="STIXNonUnicode-Regular" charset="0"/>
+                <a:ea typeface="STIXNonUnicode-Regular" charset="0"/>
+                <a:cs typeface="STIXNonUnicode-Regular" charset="0"/>
+              </a:rPr>
+              <a:t>git</a:t>
+            </a:r>
+            <a:r>
+              <a:rPr lang="de-DE" i="1" dirty="0" smtClean="0">
+                <a:latin typeface="STIXNonUnicode-Regular" charset="0"/>
+                <a:ea typeface="STIXNonUnicode-Regular" charset="0"/>
+                <a:cs typeface="STIXNonUnicode-Regular" charset="0"/>
+              </a:rPr>
+              <a:t> </a:t>
+            </a:r>
+            <a:r>
+              <a:rPr lang="de-DE" i="1" dirty="0" err="1" smtClean="0">
+                <a:latin typeface="STIXNonUnicode-Regular" charset="0"/>
+                <a:ea typeface="STIXNonUnicode-Regular" charset="0"/>
+                <a:cs typeface="STIXNonUnicode-Regular" charset="0"/>
+              </a:rPr>
+              <a:t>clone</a:t>
+            </a:r>
+            <a:r>
+              <a:rPr lang="de-DE" i="1" dirty="0" smtClean="0">
+                <a:latin typeface="STIXNonUnicode-Regular" charset="0"/>
+                <a:ea typeface="STIXNonUnicode-Regular" charset="0"/>
+                <a:cs typeface="STIXNonUnicode-Regular" charset="0"/>
+              </a:rPr>
+              <a:t> https://</a:t>
+            </a:r>
+            <a:r>
+              <a:rPr lang="de-DE" i="1" dirty="0" err="1" smtClean="0">
+                <a:latin typeface="STIXNonUnicode-Regular" charset="0"/>
+                <a:ea typeface="STIXNonUnicode-Regular" charset="0"/>
+                <a:cs typeface="STIXNonUnicode-Regular" charset="0"/>
+              </a:rPr>
+              <a:t>gitlab.dkrz.de</a:t>
+            </a:r>
+            <a:r>
+              <a:rPr lang="de-DE" i="1" dirty="0" smtClean="0">
+                <a:latin typeface="STIXNonUnicode-Regular" charset="0"/>
+                <a:ea typeface="STIXNonUnicode-Regular" charset="0"/>
+                <a:cs typeface="STIXNonUnicode-Regular" charset="0"/>
+              </a:rPr>
+              <a:t>/</a:t>
+            </a:r>
+            <a:r>
+              <a:rPr lang="de-DE" i="1" dirty="0" err="1" smtClean="0">
+                <a:latin typeface="STIXNonUnicode-Regular" charset="0"/>
+                <a:ea typeface="STIXNonUnicode-Regular" charset="0"/>
+                <a:cs typeface="STIXNonUnicode-Regular" charset="0"/>
+              </a:rPr>
+              <a:t>esm</a:t>
+            </a:r>
+            <a:r>
+              <a:rPr lang="de-DE" i="1" dirty="0" smtClean="0">
+                <a:latin typeface="STIXNonUnicode-Regular" charset="0"/>
+                <a:ea typeface="STIXNonUnicode-Regular" charset="0"/>
+                <a:cs typeface="STIXNonUnicode-Regular" charset="0"/>
+              </a:rPr>
+              <a:t>-tools/</a:t>
+            </a:r>
+            <a:r>
+              <a:rPr lang="de-DE" i="1" dirty="0" err="1" smtClean="0">
+                <a:latin typeface="STIXNonUnicode-Regular" charset="0"/>
+                <a:ea typeface="STIXNonUnicode-Regular" charset="0"/>
+                <a:cs typeface="STIXNonUnicode-Regular" charset="0"/>
+              </a:rPr>
+              <a:t>esm-usermanual.git</a:t>
+            </a:r>
+            <a:r>
+              <a:rPr lang="de-DE" dirty="0">
+                <a:latin typeface="STIXNonUnicode-Regular" charset="0"/>
+                <a:ea typeface="STIXNonUnicode-Regular" charset="0"/>
+                <a:cs typeface="STIXNonUnicode-Regular" charset="0"/>
+              </a:rPr>
+              <a:t>'</a:t>
+            </a:r>
+          </a:p>
+        </p:txBody>
+      </p:sp>
+    </p:spTree>
+    <p:extLst>
+      <p:ext uri="{BB962C8B-B14F-4D97-AF65-F5344CB8AC3E}">
+        <p14:creationId xmlns:p14="http://schemas.microsoft.com/office/powerpoint/2010/main" val="2029313146"/>
+      </p:ext>
+    </p:extLst>
+  </p:cSld>
+  <p:clrMapOvr>
+    <a:masterClrMapping/>
+  </p:clrMapOvr>
+</p:sld>
+</file>
+
+<file path=ppt/slides/slide11.xml><?xml version="1.0" encoding="utf-8"?>
+<p:sld xmlns:a="http://schemas.openxmlformats.org/drawingml/2006/main" xmlns:r="http://schemas.openxmlformats.org/officeDocument/2006/relationships" xmlns:p="http://schemas.openxmlformats.org/presentationml/2006/main">
+  <p:cSld>
+    <p:spTree>
+      <p:nvGrpSpPr>
+        <p:cNvPr id="1" name=""/>
+        <p:cNvGrpSpPr/>
+        <p:nvPr/>
+      </p:nvGrpSpPr>
+      <p:grpSpPr>
+        <a:xfrm>
+          <a:off x="0" y="0"/>
+          <a:ext cx="0" cy="0"/>
+          <a:chOff x="0" y="0"/>
+          <a:chExt cx="0" cy="0"/>
+        </a:xfrm>
+      </p:grpSpPr>
+      <p:sp>
+        <p:nvSpPr>
+          <p:cNvPr id="2" name="Titel 1"/>
+          <p:cNvSpPr>
+            <a:spLocks noGrp="1"/>
+          </p:cNvSpPr>
+          <p:nvPr>
+            <p:ph type="title"/>
+          </p:nvPr>
+        </p:nvSpPr>
+        <p:spPr/>
+        <p:txBody>
+          <a:bodyPr>
+            <a:normAutofit/>
+          </a:bodyPr>
+          <a:lstStyle/>
+          <a:p>
+            <a:r>
+              <a:rPr lang="de-DE" dirty="0" smtClean="0"/>
+              <a:t>More </a:t>
+            </a:r>
+            <a:r>
+              <a:rPr lang="de-DE" dirty="0" err="1" smtClean="0"/>
+              <a:t>to</a:t>
+            </a:r>
+            <a:r>
+              <a:rPr lang="de-DE" dirty="0" smtClean="0"/>
+              <a:t> </a:t>
+            </a:r>
+            <a:r>
+              <a:rPr lang="de-DE" dirty="0" err="1" smtClean="0"/>
+              <a:t>come</a:t>
+            </a:r>
+            <a:r>
+              <a:rPr lang="de-DE" dirty="0" smtClean="0"/>
+              <a:t>:</a:t>
+            </a:r>
+            <a:endParaRPr lang="de-DE" dirty="0"/>
+          </a:p>
+        </p:txBody>
+      </p:sp>
+      <p:sp>
+        <p:nvSpPr>
+          <p:cNvPr id="3" name="Inhaltsplatzhalter 2"/>
+          <p:cNvSpPr>
+            <a:spLocks noGrp="1"/>
+          </p:cNvSpPr>
+          <p:nvPr>
+            <p:ph idx="1"/>
+          </p:nvPr>
+        </p:nvSpPr>
+        <p:spPr>
+          <a:xfrm>
+            <a:off x="454526" y="2114886"/>
+            <a:ext cx="8301790" cy="3931920"/>
+          </a:xfrm>
+        </p:spPr>
+        <p:txBody>
+          <a:bodyPr>
+            <a:normAutofit/>
+          </a:bodyPr>
+          <a:lstStyle/>
+          <a:p>
+            <a:pPr>
+              <a:spcBef>
+                <a:spcPts val="800"/>
+              </a:spcBef>
+            </a:pPr>
+            <a:r>
+              <a:rPr lang="de-DE" dirty="0" smtClean="0">
+                <a:ea typeface="STIXNonUnicode-Regular" charset="0"/>
+                <a:cs typeface="STIXNonUnicode-Regular" charset="0"/>
+              </a:rPr>
+              <a:t>Support </a:t>
+            </a:r>
+            <a:r>
+              <a:rPr lang="de-DE" dirty="0" err="1" smtClean="0">
+                <a:ea typeface="STIXNonUnicode-Regular" charset="0"/>
+                <a:cs typeface="STIXNonUnicode-Regular" charset="0"/>
+              </a:rPr>
+              <a:t>for</a:t>
+            </a:r>
+            <a:r>
+              <a:rPr lang="de-DE" dirty="0" smtClean="0">
+                <a:ea typeface="STIXNonUnicode-Regular" charset="0"/>
+                <a:cs typeface="STIXNonUnicode-Regular" charset="0"/>
+              </a:rPr>
+              <a:t> </a:t>
+            </a:r>
+            <a:r>
+              <a:rPr lang="de-DE" dirty="0" err="1" smtClean="0">
+                <a:ea typeface="STIXNonUnicode-Regular" charset="0"/>
+                <a:cs typeface="STIXNonUnicode-Regular" charset="0"/>
+              </a:rPr>
+              <a:t>more</a:t>
+            </a:r>
+            <a:r>
+              <a:rPr lang="de-DE" dirty="0" smtClean="0">
+                <a:ea typeface="STIXNonUnicode-Regular" charset="0"/>
+                <a:cs typeface="STIXNonUnicode-Regular" charset="0"/>
+              </a:rPr>
+              <a:t> </a:t>
+            </a:r>
+            <a:r>
+              <a:rPr lang="de-DE" dirty="0" err="1" smtClean="0">
+                <a:ea typeface="STIXNonUnicode-Regular" charset="0"/>
+                <a:cs typeface="STIXNonUnicode-Regular" charset="0"/>
+              </a:rPr>
+              <a:t>models</a:t>
+            </a:r>
+            <a:r>
+              <a:rPr lang="de-DE" dirty="0" smtClean="0">
+                <a:ea typeface="STIXNonUnicode-Regular" charset="0"/>
+                <a:cs typeface="STIXNonUnicode-Regular" charset="0"/>
+              </a:rPr>
+              <a:t> (</a:t>
+            </a:r>
+            <a:r>
+              <a:rPr lang="de-DE" dirty="0" err="1" smtClean="0">
+                <a:ea typeface="STIXNonUnicode-Regular" charset="0"/>
+                <a:cs typeface="STIXNonUnicode-Regular" charset="0"/>
+              </a:rPr>
+              <a:t>oifs</a:t>
+            </a:r>
+            <a:r>
+              <a:rPr lang="de-DE" dirty="0" smtClean="0">
+                <a:ea typeface="STIXNonUnicode-Regular" charset="0"/>
+                <a:cs typeface="STIXNonUnicode-Regular" charset="0"/>
+              </a:rPr>
+              <a:t>, </a:t>
+            </a:r>
+            <a:r>
+              <a:rPr lang="de-DE" dirty="0" err="1" smtClean="0">
+                <a:ea typeface="STIXNonUnicode-Regular" charset="0"/>
+                <a:cs typeface="STIXNonUnicode-Regular" charset="0"/>
+              </a:rPr>
+              <a:t>nemo</a:t>
+            </a:r>
+            <a:r>
+              <a:rPr lang="de-DE" dirty="0" smtClean="0">
+                <a:ea typeface="STIXNonUnicode-Regular" charset="0"/>
+                <a:cs typeface="STIXNonUnicode-Regular" charset="0"/>
+              </a:rPr>
+              <a:t>, </a:t>
+            </a:r>
+            <a:r>
+              <a:rPr lang="de-DE" dirty="0" err="1" smtClean="0">
+                <a:ea typeface="STIXNonUnicode-Regular" charset="0"/>
+                <a:cs typeface="STIXNonUnicode-Regular" charset="0"/>
+              </a:rPr>
+              <a:t>RecoM</a:t>
+            </a:r>
+            <a:r>
+              <a:rPr lang="de-DE" dirty="0" smtClean="0">
+                <a:ea typeface="STIXNonUnicode-Regular" charset="0"/>
+                <a:cs typeface="STIXNonUnicode-Regular" charset="0"/>
+              </a:rPr>
+              <a:t>, </a:t>
+            </a:r>
+            <a:r>
+              <a:rPr lang="mr-IN" dirty="0" smtClean="0">
+                <a:ea typeface="STIXNonUnicode-Regular" charset="0"/>
+                <a:cs typeface="STIXNonUnicode-Regular" charset="0"/>
+              </a:rPr>
+              <a:t>…</a:t>
+            </a:r>
+            <a:r>
+              <a:rPr lang="de-DE" dirty="0" smtClean="0">
+                <a:ea typeface="STIXNonUnicode-Regular" charset="0"/>
+                <a:cs typeface="STIXNonUnicode-Regular" charset="0"/>
+              </a:rPr>
+              <a:t>)</a:t>
+            </a:r>
+            <a:endParaRPr lang="de-DE" dirty="0" smtClean="0"/>
+          </a:p>
+          <a:p>
+            <a:pPr>
+              <a:spcBef>
+                <a:spcPts val="800"/>
+              </a:spcBef>
+            </a:pPr>
+            <a:r>
+              <a:rPr lang="de-DE" i="1" dirty="0" err="1" smtClean="0">
+                <a:latin typeface="STIXNonUnicode-Regular" charset="0"/>
+                <a:ea typeface="STIXNonUnicode-Regular" charset="0"/>
+                <a:cs typeface="STIXNonUnicode-Regular" charset="0"/>
+              </a:rPr>
+              <a:t>make</a:t>
+            </a:r>
+            <a:r>
+              <a:rPr lang="de-DE" i="1" dirty="0" smtClean="0">
+                <a:latin typeface="STIXNonUnicode-Regular" charset="0"/>
+                <a:ea typeface="STIXNonUnicode-Regular" charset="0"/>
+                <a:cs typeface="STIXNonUnicode-Regular" charset="0"/>
+              </a:rPr>
+              <a:t> update-</a:t>
+            </a:r>
+            <a:r>
+              <a:rPr lang="mr-IN" i="1" dirty="0" smtClean="0">
+                <a:latin typeface="STIXNonUnicode-Regular" charset="0"/>
+                <a:ea typeface="STIXNonUnicode-Regular" charset="0"/>
+                <a:cs typeface="STIXNonUnicode-Regular" charset="0"/>
+              </a:rPr>
+              <a:t>…</a:t>
+            </a:r>
+            <a:endParaRPr lang="de-DE" i="1" dirty="0" smtClean="0">
+              <a:latin typeface="STIXNonUnicode-Regular" charset="0"/>
+              <a:ea typeface="STIXNonUnicode-Regular" charset="0"/>
+              <a:cs typeface="STIXNonUnicode-Regular" charset="0"/>
+            </a:endParaRPr>
+          </a:p>
+          <a:p>
+            <a:pPr>
+              <a:spcBef>
+                <a:spcPts val="800"/>
+              </a:spcBef>
+            </a:pPr>
+            <a:r>
+              <a:rPr lang="de-DE" dirty="0" err="1" smtClean="0">
+                <a:ea typeface="STIXNonUnicode-Regular" charset="0"/>
+                <a:cs typeface="STIXNonUnicode-Regular" charset="0"/>
+              </a:rPr>
+              <a:t>database</a:t>
+            </a:r>
+            <a:r>
+              <a:rPr lang="de-DE" dirty="0" smtClean="0">
+                <a:ea typeface="STIXNonUnicode-Regular" charset="0"/>
+                <a:cs typeface="STIXNonUnicode-Regular" charset="0"/>
+              </a:rPr>
+              <a:t> </a:t>
+            </a:r>
+            <a:r>
+              <a:rPr lang="de-DE" dirty="0" err="1" smtClean="0">
+                <a:ea typeface="STIXNonUnicode-Regular" charset="0"/>
+                <a:cs typeface="STIXNonUnicode-Regular" charset="0"/>
+              </a:rPr>
+              <a:t>keeping</a:t>
+            </a:r>
+            <a:r>
+              <a:rPr lang="de-DE" dirty="0" smtClean="0">
+                <a:ea typeface="STIXNonUnicode-Regular" charset="0"/>
+                <a:cs typeface="STIXNonUnicode-Regular" charset="0"/>
+              </a:rPr>
+              <a:t> </a:t>
+            </a:r>
+            <a:r>
+              <a:rPr lang="de-DE" dirty="0" err="1" smtClean="0">
+                <a:ea typeface="STIXNonUnicode-Regular" charset="0"/>
+                <a:cs typeface="STIXNonUnicode-Regular" charset="0"/>
+              </a:rPr>
+              <a:t>track</a:t>
+            </a:r>
+            <a:r>
+              <a:rPr lang="de-DE" dirty="0" smtClean="0">
+                <a:ea typeface="STIXNonUnicode-Regular" charset="0"/>
+                <a:cs typeface="STIXNonUnicode-Regular" charset="0"/>
+              </a:rPr>
+              <a:t> </a:t>
+            </a:r>
+            <a:r>
+              <a:rPr lang="de-DE" dirty="0" err="1" smtClean="0">
+                <a:ea typeface="STIXNonUnicode-Regular" charset="0"/>
+                <a:cs typeface="STIXNonUnicode-Regular" charset="0"/>
+              </a:rPr>
+              <a:t>of</a:t>
+            </a:r>
+            <a:r>
+              <a:rPr lang="de-DE" dirty="0" smtClean="0">
+                <a:ea typeface="STIXNonUnicode-Regular" charset="0"/>
+                <a:cs typeface="STIXNonUnicode-Regular" charset="0"/>
+              </a:rPr>
+              <a:t> </a:t>
+            </a:r>
+            <a:r>
+              <a:rPr lang="de-DE" dirty="0" err="1" smtClean="0">
+                <a:ea typeface="STIXNonUnicode-Regular" charset="0"/>
+                <a:cs typeface="STIXNonUnicode-Regular" charset="0"/>
+              </a:rPr>
+              <a:t>what</a:t>
+            </a:r>
+            <a:r>
+              <a:rPr lang="de-DE" dirty="0" smtClean="0">
+                <a:ea typeface="STIXNonUnicode-Regular" charset="0"/>
+                <a:cs typeface="STIXNonUnicode-Regular" charset="0"/>
+              </a:rPr>
+              <a:t> </a:t>
+            </a:r>
+            <a:r>
+              <a:rPr lang="de-DE" dirty="0" err="1" smtClean="0">
+                <a:ea typeface="STIXNonUnicode-Regular" charset="0"/>
+                <a:cs typeface="STIXNonUnicode-Regular" charset="0"/>
+              </a:rPr>
+              <a:t>you</a:t>
+            </a:r>
+            <a:r>
+              <a:rPr lang="de-DE" dirty="0" smtClean="0">
+                <a:ea typeface="STIXNonUnicode-Regular" charset="0"/>
+                <a:cs typeface="STIXNonUnicode-Regular" charset="0"/>
+              </a:rPr>
+              <a:t> </a:t>
+            </a:r>
+            <a:r>
+              <a:rPr lang="de-DE" dirty="0" err="1" smtClean="0">
+                <a:ea typeface="STIXNonUnicode-Regular" charset="0"/>
+                <a:cs typeface="STIXNonUnicode-Regular" charset="0"/>
+              </a:rPr>
+              <a:t>compiled</a:t>
+            </a:r>
+            <a:r>
+              <a:rPr lang="de-DE" dirty="0" smtClean="0">
+                <a:ea typeface="STIXNonUnicode-Regular" charset="0"/>
+                <a:cs typeface="STIXNonUnicode-Regular" charset="0"/>
+              </a:rPr>
+              <a:t> / ran </a:t>
+            </a:r>
+            <a:r>
+              <a:rPr lang="de-DE" dirty="0" err="1" smtClean="0">
+                <a:ea typeface="STIXNonUnicode-Regular" charset="0"/>
+                <a:cs typeface="STIXNonUnicode-Regular" charset="0"/>
+              </a:rPr>
+              <a:t>with</a:t>
+            </a:r>
+            <a:r>
+              <a:rPr lang="de-DE" dirty="0" smtClean="0">
+                <a:ea typeface="STIXNonUnicode-Regular" charset="0"/>
+                <a:cs typeface="STIXNonUnicode-Regular" charset="0"/>
+              </a:rPr>
+              <a:t> </a:t>
+            </a:r>
+            <a:r>
+              <a:rPr lang="de-DE" dirty="0" err="1" smtClean="0">
+                <a:ea typeface="STIXNonUnicode-Regular" charset="0"/>
+                <a:cs typeface="STIXNonUnicode-Regular" charset="0"/>
+              </a:rPr>
+              <a:t>which</a:t>
+            </a:r>
+            <a:r>
+              <a:rPr lang="de-DE" dirty="0" smtClean="0">
+                <a:ea typeface="STIXNonUnicode-Regular" charset="0"/>
+                <a:cs typeface="STIXNonUnicode-Regular" charset="0"/>
+              </a:rPr>
+              <a:t> </a:t>
+            </a:r>
+            <a:r>
+              <a:rPr lang="de-DE" dirty="0" err="1" smtClean="0">
+                <a:ea typeface="STIXNonUnicode-Regular" charset="0"/>
+                <a:cs typeface="STIXNonUnicode-Regular" charset="0"/>
+              </a:rPr>
+              <a:t>versions</a:t>
+            </a:r>
+            <a:r>
+              <a:rPr lang="de-DE" dirty="0" smtClean="0">
+                <a:ea typeface="STIXNonUnicode-Regular" charset="0"/>
+                <a:cs typeface="STIXNonUnicode-Regular" charset="0"/>
+              </a:rPr>
+              <a:t> </a:t>
+            </a:r>
+            <a:r>
+              <a:rPr lang="de-DE" dirty="0" err="1" smtClean="0">
+                <a:ea typeface="STIXNonUnicode-Regular" charset="0"/>
+                <a:cs typeface="STIXNonUnicode-Regular" charset="0"/>
+              </a:rPr>
+              <a:t>of</a:t>
+            </a:r>
+            <a:r>
+              <a:rPr lang="de-DE" dirty="0" smtClean="0">
+                <a:ea typeface="STIXNonUnicode-Regular" charset="0"/>
+                <a:cs typeface="STIXNonUnicode-Regular" charset="0"/>
+              </a:rPr>
+              <a:t> </a:t>
+            </a:r>
+            <a:r>
+              <a:rPr lang="de-DE" dirty="0" err="1" smtClean="0">
+                <a:ea typeface="STIXNonUnicode-Regular" charset="0"/>
+                <a:cs typeface="STIXNonUnicode-Regular" charset="0"/>
+              </a:rPr>
+              <a:t>the</a:t>
+            </a:r>
+            <a:r>
+              <a:rPr lang="de-DE" dirty="0" smtClean="0">
+                <a:ea typeface="STIXNonUnicode-Regular" charset="0"/>
+                <a:cs typeface="STIXNonUnicode-Regular" charset="0"/>
+              </a:rPr>
+              <a:t> </a:t>
+            </a:r>
+            <a:r>
+              <a:rPr lang="de-DE" dirty="0" err="1" smtClean="0">
+                <a:ea typeface="STIXNonUnicode-Regular" charset="0"/>
+                <a:cs typeface="STIXNonUnicode-Regular" charset="0"/>
+              </a:rPr>
+              <a:t>esm</a:t>
+            </a:r>
+            <a:r>
+              <a:rPr lang="de-DE" dirty="0" smtClean="0">
+                <a:ea typeface="STIXNonUnicode-Regular" charset="0"/>
+                <a:cs typeface="STIXNonUnicode-Regular" charset="0"/>
+              </a:rPr>
+              <a:t>-tools</a:t>
+            </a:r>
+            <a:r>
+              <a:rPr lang="de-DE" dirty="0" smtClean="0"/>
+              <a:t> </a:t>
+            </a:r>
+          </a:p>
+          <a:p>
+            <a:pPr>
+              <a:spcBef>
+                <a:spcPts val="800"/>
+              </a:spcBef>
+            </a:pPr>
+            <a:r>
+              <a:rPr lang="de-DE" dirty="0" err="1" smtClean="0"/>
+              <a:t>any</a:t>
+            </a:r>
+            <a:r>
+              <a:rPr lang="de-DE" dirty="0" smtClean="0"/>
+              <a:t> </a:t>
+            </a:r>
+            <a:r>
+              <a:rPr lang="de-DE" dirty="0" err="1" smtClean="0"/>
+              <a:t>ideas</a:t>
+            </a:r>
+            <a:r>
+              <a:rPr lang="de-DE" dirty="0" smtClean="0"/>
+              <a:t> </a:t>
+            </a:r>
+            <a:r>
+              <a:rPr lang="de-DE" dirty="0" err="1" smtClean="0"/>
+              <a:t>from</a:t>
+            </a:r>
+            <a:r>
+              <a:rPr lang="de-DE" dirty="0" smtClean="0"/>
+              <a:t> </a:t>
+            </a:r>
+            <a:r>
+              <a:rPr lang="de-DE" dirty="0" err="1" smtClean="0"/>
+              <a:t>your</a:t>
+            </a:r>
+            <a:r>
+              <a:rPr lang="de-DE" dirty="0" smtClean="0"/>
+              <a:t> </a:t>
+            </a:r>
+            <a:r>
+              <a:rPr lang="de-DE" dirty="0" err="1" smtClean="0"/>
+              <a:t>side</a:t>
+            </a:r>
+            <a:r>
+              <a:rPr lang="de-DE" dirty="0" smtClean="0"/>
+              <a:t> (</a:t>
+            </a:r>
+            <a:r>
+              <a:rPr lang="de-DE" dirty="0" err="1" smtClean="0"/>
+              <a:t>Please</a:t>
+            </a:r>
+            <a:r>
+              <a:rPr lang="de-DE" dirty="0" smtClean="0"/>
+              <a:t> </a:t>
+            </a:r>
+            <a:r>
+              <a:rPr lang="de-DE" dirty="0" err="1" smtClean="0"/>
+              <a:t>let</a:t>
+            </a:r>
+            <a:r>
+              <a:rPr lang="de-DE" dirty="0" smtClean="0"/>
+              <a:t> </a:t>
+            </a:r>
+            <a:r>
+              <a:rPr lang="de-DE" dirty="0" err="1" smtClean="0"/>
+              <a:t>me</a:t>
+            </a:r>
+            <a:r>
+              <a:rPr lang="de-DE" dirty="0" smtClean="0"/>
+              <a:t> </a:t>
+            </a:r>
+            <a:r>
+              <a:rPr lang="de-DE" dirty="0" err="1" smtClean="0"/>
+              <a:t>know</a:t>
+            </a:r>
+            <a:r>
+              <a:rPr lang="de-DE" dirty="0" smtClean="0"/>
+              <a:t>, </a:t>
+            </a:r>
+            <a:r>
+              <a:rPr lang="de-DE" dirty="0" smtClean="0">
+                <a:solidFill>
+                  <a:schemeClr val="accent3"/>
+                </a:solidFill>
+                <a:hlinkClick r:id="rId2"/>
+              </a:rPr>
+              <a:t>dirk.barbi@awi.de</a:t>
+            </a:r>
+            <a:r>
+              <a:rPr lang="de-DE" dirty="0" smtClean="0"/>
+              <a:t>, -1561)</a:t>
+            </a:r>
+            <a:endParaRPr lang="de-DE" dirty="0"/>
+          </a:p>
+        </p:txBody>
+      </p:sp>
+    </p:spTree>
+    <p:extLst>
+      <p:ext uri="{BB962C8B-B14F-4D97-AF65-F5344CB8AC3E}">
+        <p14:creationId xmlns:p14="http://schemas.microsoft.com/office/powerpoint/2010/main" val="1207478559"/>
+      </p:ext>
+    </p:extLst>
+  </p:cSld>
+  <p:clrMapOvr>
+    <a:masterClrMapping/>
+  </p:clrMapOvr>
+</p:sld>
+</file>
+
 <file path=ppt/slides/slide2.xml><?xml version="1.0" encoding="utf-8"?>
 <p:sld xmlns:a="http://schemas.openxmlformats.org/drawingml/2006/main" xmlns:r="http://schemas.openxmlformats.org/officeDocument/2006/relationships" xmlns:p="http://schemas.openxmlformats.org/presentationml/2006/main">
   <p:cSld>
@@ -7850,7 +8778,15 @@
           <a:p>
             <a:r>
               <a:rPr lang="de-DE" dirty="0" smtClean="0"/>
-              <a:t>Download:</a:t>
+              <a:t>Download </a:t>
+            </a:r>
+            <a:r>
+              <a:rPr lang="de-DE" dirty="0" err="1" smtClean="0"/>
+              <a:t>esm</a:t>
+            </a:r>
+            <a:r>
+              <a:rPr lang="de-DE" dirty="0" smtClean="0"/>
+              <a:t>-master</a:t>
             </a:r>
             <a:endParaRPr lang="de-DE" dirty="0"/>
           </a:p>
@@ -7889,93 +8825,89 @@
               <a:t>`</a:t>
             </a:r>
             <a:r>
-              <a:rPr lang="de-DE" dirty="0" err="1" smtClean="0">
+              <a:rPr lang="de-DE" i="1" dirty="0" err="1" smtClean="0">
                 <a:latin typeface="STIXNonUnicode-Regular"/>
                 <a:cs typeface="STIXNonUnicode-Regular"/>
               </a:rPr>
               <a:t>git</a:t>
+            </a:r>
+            <a:r>
+              <a:rPr lang="de-DE" i="1" dirty="0" smtClean="0">
+                <a:latin typeface="STIXNonUnicode-Regular"/>
+                <a:cs typeface="STIXNonUnicode-Regular"/>
+              </a:rPr>
+              <a:t> </a:t>
+            </a:r>
+            <a:r>
+              <a:rPr lang="de-DE" i="1" dirty="0" err="1" smtClean="0">
+                <a:latin typeface="STIXNonUnicode-Regular"/>
+                <a:cs typeface="STIXNonUnicode-Regular"/>
+              </a:rPr>
+              <a:t>clone</a:t>
+            </a:r>
+            <a:r>
+              <a:rPr lang="de-DE" i="1" dirty="0" smtClean="0">
+                <a:latin typeface="STIXNonUnicode-Regular"/>
+                <a:cs typeface="STIXNonUnicode-Regular"/>
+              </a:rPr>
+              <a:t> https</a:t>
+            </a:r>
+            <a:r>
+              <a:rPr lang="de-DE" i="1" dirty="0">
+                <a:latin typeface="STIXNonUnicode-Regular"/>
+                <a:cs typeface="STIXNonUnicode-Regular"/>
+              </a:rPr>
+              <a:t>//</a:t>
+            </a:r>
+            <a:r>
+              <a:rPr lang="de-DE" i="1" dirty="0" err="1">
+                <a:latin typeface="STIXNonUnicode-Regular"/>
+                <a:cs typeface="STIXNonUnicode-Regular"/>
+              </a:rPr>
+              <a:t>gitlab.dkrz.de</a:t>
+            </a:r>
+            <a:r>
+              <a:rPr lang="de-DE" i="1" dirty="0">
+                <a:latin typeface="STIXNonUnicode-Regular"/>
+                <a:cs typeface="STIXNonUnicode-Regular"/>
+              </a:rPr>
+              <a:t>/</a:t>
+            </a:r>
+            <a:r>
+              <a:rPr lang="de-DE" i="1" dirty="0" err="1">
+                <a:latin typeface="STIXNonUnicode-Regular"/>
+                <a:cs typeface="STIXNonUnicode-Regular"/>
+              </a:rPr>
+              <a:t>esm</a:t>
+            </a:r>
+            <a:r>
+              <a:rPr lang="de-DE" i="1" dirty="0">
+                <a:latin typeface="STIXNonUnicode-Regular"/>
+                <a:cs typeface="STIXNonUnicode-Regular"/>
+              </a:rPr>
+              <a:t>-tools/</a:t>
+            </a:r>
+            <a:r>
+              <a:rPr lang="de-DE" i="1" dirty="0" err="1">
+                <a:latin typeface="STIXNonUnicode-Regular"/>
+                <a:cs typeface="STIXNonUnicode-Regular"/>
+              </a:rPr>
+              <a:t>esm-</a:t>
+            </a:r>
+            <a:r>
+              <a:rPr lang="de-DE" i="1" dirty="0" err="1" smtClean="0">
+                <a:latin typeface="STIXNonUnicode-Regular"/>
+                <a:cs typeface="STIXNonUnicode-Regular"/>
+              </a:rPr>
+              <a:t>master.git</a:t>
             </a:r>
             <a:r>
               <a:rPr lang="de-DE" dirty="0" smtClean="0">
                 <a:latin typeface="STIXNonUnicode-Regular"/>
                 <a:cs typeface="STIXNonUnicode-Regular"/>
               </a:rPr>
-              <a:t> </a:t>
-            </a:r>
-            <a:r>
-              <a:rPr lang="de-DE" dirty="0" err="1" smtClean="0">
-                <a:latin typeface="STIXNonUnicode-Regular"/>
-                <a:cs typeface="STIXNonUnicode-Regular"/>
-              </a:rPr>
-              <a:t>clone</a:t>
-            </a:r>
-            <a:r>
-              <a:rPr lang="de-DE" dirty="0" smtClean="0">
-                <a:latin typeface="STIXNonUnicode-Regular"/>
-                <a:cs typeface="STIXNonUnicode-Regular"/>
-              </a:rPr>
-              <a:t> https</a:t>
-            </a:r>
-            <a:r>
-              <a:rPr lang="de-DE" dirty="0">
-                <a:latin typeface="STIXNonUnicode-Regular"/>
-                <a:cs typeface="STIXNonUnicode-Regular"/>
-              </a:rPr>
-              <a:t>//</a:t>
-            </a:r>
-            <a:r>
-              <a:rPr lang="de-DE" dirty="0" err="1">
-                <a:latin typeface="STIXNonUnicode-Regular"/>
-                <a:cs typeface="STIXNonUnicode-Regular"/>
-              </a:rPr>
-              <a:t>gitlab.dkrz.de</a:t>
-            </a:r>
-            <a:r>
-              <a:rPr lang="de-DE" dirty="0">
-                <a:latin typeface="STIXNonUnicode-Regular"/>
-                <a:cs typeface="STIXNonUnicode-Regular"/>
-              </a:rPr>
-              <a:t>/</a:t>
-            </a:r>
-            <a:r>
-              <a:rPr lang="de-DE" dirty="0" err="1">
-                <a:latin typeface="STIXNonUnicode-Regular"/>
-                <a:cs typeface="STIXNonUnicode-Regular"/>
-              </a:rPr>
-              <a:t>esm</a:t>
-            </a:r>
-            <a:r>
-              <a:rPr lang="de-DE" dirty="0">
-                <a:latin typeface="STIXNonUnicode-Regular"/>
-                <a:cs typeface="STIXNonUnicode-Regular"/>
-              </a:rPr>
-              <a:t>-tools/</a:t>
-            </a:r>
-            <a:r>
-              <a:rPr lang="de-DE" dirty="0" err="1">
-                <a:latin typeface="STIXNonUnicode-Regular"/>
-                <a:cs typeface="STIXNonUnicode-Regular"/>
-              </a:rPr>
-              <a:t>esm-</a:t>
-            </a:r>
-            <a:r>
-              <a:rPr lang="de-DE" dirty="0" err="1" smtClean="0">
-                <a:latin typeface="STIXNonUnicode-Regular"/>
-                <a:cs typeface="STIXNonUnicode-Regular"/>
-              </a:rPr>
-              <a:t>master.git</a:t>
-            </a:r>
-            <a:r>
-              <a:rPr lang="de-DE" dirty="0" smtClean="0">
-                <a:latin typeface="STIXNonUnicode-Regular"/>
-                <a:cs typeface="STIXNonUnicode-Regular"/>
-              </a:rPr>
               <a:t>`</a:t>
             </a:r>
-            <a:endParaRPr lang="de-DE" dirty="0" smtClean="0">
-              <a:latin typeface="STIXNonUnicode-Regular"/>
-              <a:cs typeface="STIXNonUnicode-Regular"/>
-            </a:endParaRPr>
           </a:p>
           <a:p>
             <a:pPr marL="0" indent="0" algn="ctr">
@@ -8052,94 +8984,6 @@
               <a:buNone/>
             </a:pPr>
             <a:endParaRPr lang="de-DE" dirty="0" smtClean="0"/>
-          </a:p>
-          <a:p>
-            <a:pPr marL="0" indent="0" algn="ctr">
-              <a:spcBef>
-                <a:spcPts val="800"/>
-              </a:spcBef>
-              <a:buNone/>
-            </a:pPr>
-            <a:r>
-              <a:rPr lang="de-DE" dirty="0" err="1"/>
-              <a:t>N</a:t>
-            </a:r>
-            <a:r>
-              <a:rPr lang="de-DE" dirty="0" err="1" smtClean="0"/>
-              <a:t>ow</a:t>
-            </a:r>
-            <a:r>
-              <a:rPr lang="de-DE" dirty="0" smtClean="0"/>
-              <a:t> type </a:t>
-            </a:r>
-          </a:p>
-          <a:p>
-            <a:pPr marL="0" indent="0" algn="ctr">
-              <a:spcBef>
-                <a:spcPts val="800"/>
-              </a:spcBef>
-              <a:buNone/>
-            </a:pPr>
-            <a:r>
-              <a:rPr lang="de-DE" dirty="0" smtClean="0"/>
-              <a:t>`</a:t>
-            </a:r>
-            <a:r>
-              <a:rPr lang="de-DE" dirty="0" err="1" smtClean="0">
-                <a:latin typeface="STIXNonUnicode-Regular"/>
-                <a:cs typeface="STIXNonUnicode-Regular"/>
-              </a:rPr>
-              <a:t>make</a:t>
-            </a:r>
-            <a:r>
-              <a:rPr lang="de-DE" dirty="0" smtClean="0"/>
-              <a:t>`</a:t>
-            </a:r>
-            <a:r>
-              <a:rPr lang="de-DE" dirty="0" smtClean="0"/>
-              <a:t> </a:t>
-            </a:r>
-          </a:p>
-          <a:p>
-            <a:pPr marL="0" indent="0" algn="ctr">
-              <a:spcBef>
-                <a:spcPts val="800"/>
-              </a:spcBef>
-              <a:buNone/>
-            </a:pPr>
-            <a:r>
-              <a:rPr lang="de-DE" dirty="0" err="1" smtClean="0"/>
-              <a:t>to</a:t>
-            </a:r>
-            <a:r>
-              <a:rPr lang="de-DE" dirty="0" smtClean="0"/>
-              <a:t> </a:t>
-            </a:r>
-            <a:r>
-              <a:rPr lang="de-DE" dirty="0" err="1" smtClean="0"/>
-              <a:t>see</a:t>
-            </a:r>
-            <a:r>
-              <a:rPr lang="de-DE" dirty="0" smtClean="0"/>
-              <a:t> </a:t>
-            </a:r>
-            <a:r>
-              <a:rPr lang="de-DE" dirty="0" err="1" smtClean="0"/>
-              <a:t>what</a:t>
-            </a:r>
-            <a:r>
-              <a:rPr lang="de-DE" dirty="0" smtClean="0"/>
-              <a:t> </a:t>
-            </a:r>
-            <a:r>
-              <a:rPr lang="de-DE" dirty="0" err="1" smtClean="0"/>
-              <a:t>happens</a:t>
-            </a:r>
-            <a:r>
-              <a:rPr lang="de-DE" dirty="0" smtClean="0"/>
-              <a:t>!</a:t>
-            </a:r>
-            <a:endParaRPr lang="de-DE" dirty="0"/>
           </a:p>
         </p:txBody>
       </p:sp>
@@ -8156,10 +9000,3005 @@
 </p:sld>
 </file>
 
+<file path=ppt/slides/slide3.xml><?xml version="1.0" encoding="utf-8"?>
+<p:sld xmlns:a="http://schemas.openxmlformats.org/drawingml/2006/main" xmlns:r="http://schemas.openxmlformats.org/officeDocument/2006/relationships" xmlns:p="http://schemas.openxmlformats.org/presentationml/2006/main">
+  <p:cSld>
+    <p:spTree>
+      <p:nvGrpSpPr>
+        <p:cNvPr id="1" name=""/>
+        <p:cNvGrpSpPr/>
+        <p:nvPr/>
+      </p:nvGrpSpPr>
+      <p:grpSpPr>
+        <a:xfrm>
+          <a:off x="0" y="0"/>
+          <a:ext cx="0" cy="0"/>
+          <a:chOff x="0" y="0"/>
+          <a:chExt cx="0" cy="0"/>
+        </a:xfrm>
+      </p:grpSpPr>
+      <p:sp>
+        <p:nvSpPr>
+          <p:cNvPr id="2" name="Titel 1"/>
+          <p:cNvSpPr>
+            <a:spLocks noGrp="1"/>
+          </p:cNvSpPr>
+          <p:nvPr>
+            <p:ph type="title"/>
+          </p:nvPr>
+        </p:nvSpPr>
+        <p:spPr/>
+        <p:txBody>
+          <a:bodyPr/>
+          <a:lstStyle/>
+          <a:p>
+            <a:r>
+              <a:rPr lang="de-DE" dirty="0" err="1" smtClean="0"/>
+              <a:t>Configure</a:t>
+            </a:r>
+            <a:r>
+              <a:rPr lang="de-DE" dirty="0" smtClean="0"/>
+              <a:t> </a:t>
+            </a:r>
+            <a:r>
+              <a:rPr lang="de-DE" dirty="0" err="1" smtClean="0"/>
+              <a:t>esm</a:t>
+            </a:r>
+            <a:r>
+              <a:rPr lang="de-DE" dirty="0" smtClean="0"/>
+              <a:t>-master</a:t>
+            </a:r>
+            <a:endParaRPr lang="de-DE" dirty="0"/>
+          </a:p>
+        </p:txBody>
+      </p:sp>
+      <p:sp>
+        <p:nvSpPr>
+          <p:cNvPr id="3" name="Inhaltsplatzhalter 2"/>
+          <p:cNvSpPr>
+            <a:spLocks noGrp="1"/>
+          </p:cNvSpPr>
+          <p:nvPr>
+            <p:ph idx="1"/>
+          </p:nvPr>
+        </p:nvSpPr>
+        <p:spPr>
+          <a:xfrm>
+            <a:off x="454526" y="2114886"/>
+            <a:ext cx="8301790" cy="3931920"/>
+          </a:xfrm>
+        </p:spPr>
+        <p:txBody>
+          <a:bodyPr>
+            <a:normAutofit/>
+          </a:bodyPr>
+          <a:lstStyle/>
+          <a:p>
+            <a:pPr marL="0" indent="0" algn="ctr">
+              <a:spcBef>
+                <a:spcPts val="200"/>
+              </a:spcBef>
+              <a:buNone/>
+            </a:pPr>
+            <a:r>
+              <a:rPr lang="de-DE" dirty="0" smtClean="0"/>
+              <a:t>The </a:t>
+            </a:r>
+            <a:r>
+              <a:rPr lang="de-DE" dirty="0" err="1" smtClean="0"/>
+              <a:t>first</a:t>
+            </a:r>
+            <a:r>
+              <a:rPr lang="de-DE" dirty="0" smtClean="0"/>
+              <a:t> time </a:t>
+            </a:r>
+            <a:r>
+              <a:rPr lang="de-DE" dirty="0" err="1" smtClean="0"/>
+              <a:t>you</a:t>
+            </a:r>
+            <a:r>
+              <a:rPr lang="de-DE" dirty="0" smtClean="0"/>
+              <a:t> </a:t>
+            </a:r>
+            <a:r>
+              <a:rPr lang="de-DE" dirty="0" err="1" smtClean="0"/>
+              <a:t>use</a:t>
+            </a:r>
+            <a:r>
+              <a:rPr lang="de-DE" dirty="0" smtClean="0"/>
+              <a:t> </a:t>
+            </a:r>
+            <a:r>
+              <a:rPr lang="de-DE" dirty="0" err="1" smtClean="0"/>
+              <a:t>esm</a:t>
+            </a:r>
+            <a:r>
+              <a:rPr lang="de-DE" dirty="0" smtClean="0"/>
+              <a:t>-master, </a:t>
+            </a:r>
+            <a:r>
+              <a:rPr lang="de-DE" dirty="0" err="1" smtClean="0"/>
+              <a:t>you</a:t>
+            </a:r>
+            <a:r>
+              <a:rPr lang="de-DE" dirty="0" smtClean="0"/>
+              <a:t> will </a:t>
+            </a:r>
+            <a:r>
+              <a:rPr lang="de-DE" dirty="0" err="1" smtClean="0"/>
+              <a:t>be</a:t>
+            </a:r>
+            <a:r>
+              <a:rPr lang="de-DE" dirty="0" smtClean="0"/>
+              <a:t> </a:t>
+            </a:r>
+            <a:r>
+              <a:rPr lang="de-DE" dirty="0" err="1" smtClean="0"/>
+              <a:t>asked</a:t>
+            </a:r>
+            <a:r>
+              <a:rPr lang="de-DE" dirty="0" smtClean="0"/>
+              <a:t> </a:t>
+            </a:r>
+            <a:r>
+              <a:rPr lang="de-DE" dirty="0" err="1" smtClean="0"/>
+              <a:t>for</a:t>
+            </a:r>
+            <a:r>
+              <a:rPr lang="de-DE" dirty="0" smtClean="0"/>
+              <a:t> </a:t>
+            </a:r>
+            <a:r>
+              <a:rPr lang="de-DE" dirty="0" err="1" smtClean="0"/>
+              <a:t>your</a:t>
+            </a:r>
+            <a:r>
+              <a:rPr lang="de-DE" dirty="0" smtClean="0"/>
+              <a:t> </a:t>
+            </a:r>
+            <a:r>
+              <a:rPr lang="de-DE" dirty="0" err="1" smtClean="0"/>
+              <a:t>account</a:t>
+            </a:r>
+            <a:r>
+              <a:rPr lang="de-DE" dirty="0" smtClean="0"/>
+              <a:t> </a:t>
+            </a:r>
+            <a:r>
+              <a:rPr lang="de-DE" dirty="0" err="1" smtClean="0"/>
+              <a:t>names</a:t>
+            </a:r>
+            <a:r>
+              <a:rPr lang="de-DE" dirty="0" smtClean="0"/>
+              <a:t> on </a:t>
+            </a:r>
+            <a:r>
+              <a:rPr lang="de-DE" dirty="0" err="1" smtClean="0"/>
+              <a:t>ollie</a:t>
+            </a:r>
+            <a:r>
+              <a:rPr lang="de-DE" dirty="0" smtClean="0"/>
+              <a:t> / </a:t>
+            </a:r>
+            <a:r>
+              <a:rPr lang="de-DE" dirty="0" err="1" smtClean="0"/>
+              <a:t>mistral</a:t>
+            </a:r>
+            <a:r>
+              <a:rPr lang="de-DE" dirty="0" smtClean="0"/>
+              <a:t>.</a:t>
+            </a:r>
+          </a:p>
+          <a:p>
+            <a:pPr marL="0" indent="0" algn="ctr">
+              <a:spcBef>
+                <a:spcPts val="200"/>
+              </a:spcBef>
+              <a:buNone/>
+            </a:pPr>
+            <a:endParaRPr lang="de-DE" dirty="0"/>
+          </a:p>
+          <a:p>
+            <a:pPr marL="0" indent="0" algn="ctr">
+              <a:spcBef>
+                <a:spcPts val="200"/>
+              </a:spcBef>
+              <a:buNone/>
+            </a:pPr>
+            <a:r>
+              <a:rPr lang="de-DE" dirty="0" smtClean="0"/>
+              <a:t>The </a:t>
+            </a:r>
+            <a:r>
+              <a:rPr lang="de-DE" dirty="0" err="1" smtClean="0"/>
+              <a:t>results</a:t>
+            </a:r>
+            <a:r>
+              <a:rPr lang="de-DE" dirty="0" smtClean="0"/>
+              <a:t> </a:t>
+            </a:r>
+            <a:r>
+              <a:rPr lang="de-DE" dirty="0" err="1" smtClean="0"/>
+              <a:t>are</a:t>
+            </a:r>
+            <a:r>
+              <a:rPr lang="de-DE" dirty="0" smtClean="0"/>
+              <a:t> </a:t>
+            </a:r>
+            <a:r>
+              <a:rPr lang="de-DE" dirty="0" err="1" smtClean="0"/>
+              <a:t>saved</a:t>
+            </a:r>
+            <a:r>
+              <a:rPr lang="de-DE" dirty="0" smtClean="0"/>
+              <a:t> </a:t>
+            </a:r>
+            <a:r>
+              <a:rPr lang="de-DE" dirty="0" err="1" smtClean="0"/>
+              <a:t>to</a:t>
+            </a:r>
+            <a:r>
+              <a:rPr lang="de-DE" dirty="0" smtClean="0"/>
+              <a:t> </a:t>
+            </a:r>
+            <a:r>
+              <a:rPr lang="de-DE" i="1" dirty="0" err="1" smtClean="0">
+                <a:latin typeface="STIXNonUnicode-Regular" charset="0"/>
+                <a:ea typeface="STIXNonUnicode-Regular" charset="0"/>
+                <a:cs typeface="STIXNonUnicode-Regular" charset="0"/>
+              </a:rPr>
+              <a:t>esm-master.conf</a:t>
+            </a:r>
+            <a:r>
+              <a:rPr lang="de-DE" dirty="0" smtClean="0"/>
+              <a:t>. </a:t>
+            </a:r>
+            <a:r>
+              <a:rPr lang="de-DE" dirty="0" err="1" smtClean="0"/>
+              <a:t>You</a:t>
+            </a:r>
+            <a:r>
+              <a:rPr lang="de-DE" dirty="0" smtClean="0"/>
+              <a:t> </a:t>
+            </a:r>
+            <a:r>
+              <a:rPr lang="de-DE" dirty="0" err="1" smtClean="0"/>
+              <a:t>can</a:t>
+            </a:r>
+            <a:r>
+              <a:rPr lang="de-DE" dirty="0" smtClean="0"/>
+              <a:t> </a:t>
+            </a:r>
+            <a:r>
+              <a:rPr lang="de-DE" dirty="0" err="1" smtClean="0"/>
+              <a:t>edit</a:t>
+            </a:r>
+            <a:r>
+              <a:rPr lang="de-DE" dirty="0" smtClean="0"/>
+              <a:t> </a:t>
+            </a:r>
+            <a:r>
+              <a:rPr lang="de-DE" dirty="0" err="1" smtClean="0"/>
+              <a:t>that</a:t>
+            </a:r>
+            <a:r>
+              <a:rPr lang="de-DE" dirty="0" smtClean="0"/>
+              <a:t> </a:t>
+            </a:r>
+            <a:r>
+              <a:rPr lang="de-DE" dirty="0" err="1" smtClean="0"/>
+              <a:t>file</a:t>
+            </a:r>
+            <a:r>
+              <a:rPr lang="de-DE" dirty="0" smtClean="0"/>
+              <a:t> </a:t>
+            </a:r>
+            <a:r>
+              <a:rPr lang="de-DE" dirty="0" err="1" smtClean="0"/>
+              <a:t>later</a:t>
+            </a:r>
+            <a:r>
+              <a:rPr lang="de-DE" dirty="0" smtClean="0"/>
+              <a:t>, </a:t>
+            </a:r>
+            <a:r>
+              <a:rPr lang="de-DE" dirty="0" err="1" smtClean="0"/>
+              <a:t>or</a:t>
+            </a:r>
+            <a:r>
+              <a:rPr lang="de-DE" dirty="0" smtClean="0"/>
+              <a:t> </a:t>
+            </a:r>
+            <a:r>
+              <a:rPr lang="de-DE" dirty="0" err="1" smtClean="0"/>
+              <a:t>call</a:t>
+            </a:r>
+            <a:endParaRPr lang="de-DE" dirty="0" smtClean="0"/>
+          </a:p>
+          <a:p>
+            <a:pPr marL="0" indent="0" algn="ctr">
+              <a:spcBef>
+                <a:spcPts val="800"/>
+              </a:spcBef>
+              <a:buNone/>
+            </a:pPr>
+            <a:endParaRPr lang="de-DE" dirty="0" smtClean="0"/>
+          </a:p>
+          <a:p>
+            <a:pPr marL="0" indent="0" algn="ctr">
+              <a:spcBef>
+                <a:spcPts val="800"/>
+              </a:spcBef>
+              <a:buNone/>
+            </a:pPr>
+            <a:r>
+              <a:rPr lang="de-DE" dirty="0">
+                <a:latin typeface="STIXNonUnicode-Regular" charset="0"/>
+                <a:ea typeface="STIXNonUnicode-Regular" charset="0"/>
+                <a:cs typeface="STIXNonUnicode-Regular" charset="0"/>
+              </a:rPr>
+              <a:t>`</a:t>
+            </a:r>
+            <a:r>
+              <a:rPr lang="de-DE" i="1" dirty="0" err="1" smtClean="0">
+                <a:latin typeface="STIXNonUnicode-Regular" charset="0"/>
+                <a:ea typeface="STIXNonUnicode-Regular" charset="0"/>
+                <a:cs typeface="STIXNonUnicode-Regular" charset="0"/>
+              </a:rPr>
+              <a:t>make</a:t>
+            </a:r>
+            <a:r>
+              <a:rPr lang="de-DE" i="1" dirty="0" smtClean="0">
+                <a:latin typeface="STIXNonUnicode-Regular" charset="0"/>
+                <a:ea typeface="STIXNonUnicode-Regular" charset="0"/>
+                <a:cs typeface="STIXNonUnicode-Regular" charset="0"/>
+              </a:rPr>
+              <a:t> </a:t>
+            </a:r>
+            <a:r>
+              <a:rPr lang="de-DE" i="1" dirty="0" err="1" smtClean="0">
+                <a:latin typeface="STIXNonUnicode-Regular" charset="0"/>
+                <a:ea typeface="STIXNonUnicode-Regular" charset="0"/>
+                <a:cs typeface="STIXNonUnicode-Regular" charset="0"/>
+              </a:rPr>
+              <a:t>conf</a:t>
+            </a:r>
+            <a:r>
+              <a:rPr lang="de-DE" i="1" dirty="0" smtClean="0">
+                <a:latin typeface="STIXNonUnicode-Regular" charset="0"/>
+                <a:ea typeface="STIXNonUnicode-Regular" charset="0"/>
+                <a:cs typeface="STIXNonUnicode-Regular" charset="0"/>
+              </a:rPr>
+              <a:t>-</a:t>
+            </a:r>
+            <a:r>
+              <a:rPr lang="de-DE" i="1" dirty="0" err="1" smtClean="0">
+                <a:latin typeface="STIXNonUnicode-Regular" charset="0"/>
+                <a:ea typeface="STIXNonUnicode-Regular" charset="0"/>
+                <a:cs typeface="STIXNonUnicode-Regular" charset="0"/>
+              </a:rPr>
+              <a:t>esm</a:t>
+            </a:r>
+            <a:r>
+              <a:rPr lang="de-DE" i="1" dirty="0" smtClean="0">
+                <a:latin typeface="STIXNonUnicode-Regular" charset="0"/>
+                <a:ea typeface="STIXNonUnicode-Regular" charset="0"/>
+                <a:cs typeface="STIXNonUnicode-Regular" charset="0"/>
+              </a:rPr>
+              <a:t>-master</a:t>
+            </a:r>
+            <a:r>
+              <a:rPr lang="de-DE" dirty="0" smtClean="0">
+                <a:latin typeface="STIXNonUnicode-Regular" charset="0"/>
+                <a:ea typeface="STIXNonUnicode-Regular" charset="0"/>
+                <a:cs typeface="STIXNonUnicode-Regular" charset="0"/>
+              </a:rPr>
+              <a:t>`</a:t>
+            </a:r>
+          </a:p>
+          <a:p>
+            <a:pPr marL="0" indent="0" algn="ctr">
+              <a:spcBef>
+                <a:spcPts val="800"/>
+              </a:spcBef>
+              <a:buNone/>
+            </a:pPr>
+            <a:endParaRPr lang="de-DE" dirty="0"/>
+          </a:p>
+          <a:p>
+            <a:pPr marL="0" indent="0" algn="ctr">
+              <a:spcBef>
+                <a:spcPts val="800"/>
+              </a:spcBef>
+              <a:buNone/>
+            </a:pPr>
+            <a:r>
+              <a:rPr lang="de-DE" dirty="0" err="1" smtClean="0"/>
+              <a:t>to</a:t>
+            </a:r>
+            <a:r>
+              <a:rPr lang="de-DE" dirty="0" smtClean="0"/>
+              <a:t> </a:t>
+            </a:r>
+            <a:r>
+              <a:rPr lang="de-DE" dirty="0" err="1" smtClean="0"/>
+              <a:t>restart</a:t>
+            </a:r>
+            <a:r>
+              <a:rPr lang="de-DE" dirty="0" smtClean="0"/>
+              <a:t> </a:t>
+            </a:r>
+            <a:r>
+              <a:rPr lang="de-DE" dirty="0" err="1" smtClean="0"/>
+              <a:t>the</a:t>
+            </a:r>
+            <a:r>
+              <a:rPr lang="de-DE" dirty="0" smtClean="0"/>
+              <a:t> </a:t>
+            </a:r>
+            <a:r>
+              <a:rPr lang="de-DE" dirty="0" err="1" smtClean="0"/>
+              <a:t>configuration</a:t>
+            </a:r>
+            <a:r>
+              <a:rPr lang="de-DE" dirty="0" smtClean="0"/>
+              <a:t> </a:t>
+            </a:r>
+            <a:r>
+              <a:rPr lang="de-DE" dirty="0" err="1" smtClean="0"/>
+              <a:t>dialog</a:t>
+            </a:r>
+            <a:r>
+              <a:rPr lang="de-DE" dirty="0" smtClean="0"/>
+              <a:t>.</a:t>
+            </a:r>
+            <a:endParaRPr lang="de-DE" dirty="0"/>
+          </a:p>
+        </p:txBody>
+      </p:sp>
+    </p:spTree>
+    <p:extLst>
+      <p:ext uri="{BB962C8B-B14F-4D97-AF65-F5344CB8AC3E}">
+        <p14:creationId xmlns:p14="http://schemas.microsoft.com/office/powerpoint/2010/main" val="1113002207"/>
+      </p:ext>
+    </p:extLst>
+  </p:cSld>
+  <p:clrMapOvr>
+    <a:masterClrMapping/>
+  </p:clrMapOvr>
+</p:sld>
+</file>
+
+<file path=ppt/slides/slide4.xml><?xml version="1.0" encoding="utf-8"?>
+<p:sld xmlns:a="http://schemas.openxmlformats.org/drawingml/2006/main" xmlns:r="http://schemas.openxmlformats.org/officeDocument/2006/relationships" xmlns:p="http://schemas.openxmlformats.org/presentationml/2006/main">
+  <p:cSld>
+    <p:spTree>
+      <p:nvGrpSpPr>
+        <p:cNvPr id="1" name=""/>
+        <p:cNvGrpSpPr/>
+        <p:nvPr/>
+      </p:nvGrpSpPr>
+      <p:grpSpPr>
+        <a:xfrm>
+          <a:off x="0" y="0"/>
+          <a:ext cx="0" cy="0"/>
+          <a:chOff x="0" y="0"/>
+          <a:chExt cx="0" cy="0"/>
+        </a:xfrm>
+      </p:grpSpPr>
+      <p:sp>
+        <p:nvSpPr>
+          <p:cNvPr id="2" name="Titel 1"/>
+          <p:cNvSpPr>
+            <a:spLocks noGrp="1"/>
+          </p:cNvSpPr>
+          <p:nvPr>
+            <p:ph type="title"/>
+          </p:nvPr>
+        </p:nvSpPr>
+        <p:spPr/>
+        <p:txBody>
+          <a:bodyPr/>
+          <a:lstStyle/>
+          <a:p>
+            <a:r>
+              <a:rPr lang="de-DE" dirty="0" smtClean="0"/>
+              <a:t>List </a:t>
+            </a:r>
+            <a:r>
+              <a:rPr lang="de-DE" dirty="0" err="1" smtClean="0"/>
+              <a:t>of</a:t>
+            </a:r>
+            <a:r>
+              <a:rPr lang="de-DE" dirty="0" smtClean="0"/>
+              <a:t> </a:t>
+            </a:r>
+            <a:r>
+              <a:rPr lang="de-DE" dirty="0" err="1" smtClean="0"/>
+              <a:t>available</a:t>
+            </a:r>
+            <a:r>
+              <a:rPr lang="de-DE" dirty="0" smtClean="0"/>
+              <a:t> </a:t>
+            </a:r>
+            <a:r>
+              <a:rPr lang="de-DE" dirty="0" err="1" smtClean="0"/>
+              <a:t>targets</a:t>
+            </a:r>
+            <a:endParaRPr lang="de-DE" dirty="0"/>
+          </a:p>
+        </p:txBody>
+      </p:sp>
+      <p:sp>
+        <p:nvSpPr>
+          <p:cNvPr id="3" name="Inhaltsplatzhalter 2"/>
+          <p:cNvSpPr>
+            <a:spLocks noGrp="1"/>
+          </p:cNvSpPr>
+          <p:nvPr>
+            <p:ph idx="1"/>
+          </p:nvPr>
+        </p:nvSpPr>
+        <p:spPr>
+          <a:xfrm>
+            <a:off x="454526" y="2114886"/>
+            <a:ext cx="2961672" cy="3931920"/>
+          </a:xfrm>
+        </p:spPr>
+        <p:txBody>
+          <a:bodyPr>
+            <a:normAutofit/>
+          </a:bodyPr>
+          <a:lstStyle/>
+          <a:p>
+            <a:pPr marL="0" indent="0" algn="ctr">
+              <a:spcBef>
+                <a:spcPts val="800"/>
+              </a:spcBef>
+              <a:buNone/>
+            </a:pPr>
+            <a:r>
+              <a:rPr lang="de-DE" sz="2000" dirty="0" smtClean="0">
+                <a:ea typeface="STIXNonUnicode-Regular" charset="0"/>
+                <a:cs typeface="STIXNonUnicode-Regular" charset="0"/>
+              </a:rPr>
+              <a:t>Type</a:t>
+            </a:r>
+          </a:p>
+          <a:p>
+            <a:pPr marL="0" indent="0" algn="ctr">
+              <a:spcBef>
+                <a:spcPts val="800"/>
+              </a:spcBef>
+              <a:buNone/>
+            </a:pPr>
+            <a:r>
+              <a:rPr lang="de-DE" sz="2000" dirty="0" smtClean="0">
+                <a:ea typeface="STIXNonUnicode-Regular" charset="0"/>
+                <a:cs typeface="STIXNonUnicode-Regular" charset="0"/>
+              </a:rPr>
+              <a:t> </a:t>
+            </a:r>
+            <a:r>
+              <a:rPr lang="de-DE" sz="2000" dirty="0" smtClean="0">
+                <a:latin typeface="STIXNonUnicode-Regular" charset="0"/>
+                <a:ea typeface="STIXNonUnicode-Regular" charset="0"/>
+                <a:cs typeface="STIXNonUnicode-Regular" charset="0"/>
+              </a:rPr>
+              <a:t>`</a:t>
+            </a:r>
+            <a:r>
+              <a:rPr lang="de-DE" sz="2000" i="1" dirty="0" err="1" smtClean="0">
+                <a:latin typeface="STIXNonUnicode-Regular" charset="0"/>
+                <a:ea typeface="STIXNonUnicode-Regular" charset="0"/>
+                <a:cs typeface="STIXNonUnicode-Regular" charset="0"/>
+              </a:rPr>
+              <a:t>make</a:t>
+            </a:r>
+            <a:r>
+              <a:rPr lang="de-DE" sz="2000" dirty="0" smtClean="0">
+                <a:latin typeface="STIXNonUnicode-Regular" charset="0"/>
+                <a:ea typeface="STIXNonUnicode-Regular" charset="0"/>
+                <a:cs typeface="STIXNonUnicode-Regular" charset="0"/>
+              </a:rPr>
+              <a:t>` </a:t>
+            </a:r>
+          </a:p>
+          <a:p>
+            <a:pPr marL="0" indent="0" algn="ctr">
+              <a:spcBef>
+                <a:spcPts val="800"/>
+              </a:spcBef>
+              <a:buNone/>
+            </a:pPr>
+            <a:r>
+              <a:rPr lang="de-DE" sz="2000" dirty="0" err="1" smtClean="0">
+                <a:ea typeface="STIXNonUnicode-Regular" charset="0"/>
+                <a:cs typeface="STIXNonUnicode-Regular" charset="0"/>
+              </a:rPr>
+              <a:t>to</a:t>
+            </a:r>
+            <a:r>
+              <a:rPr lang="de-DE" sz="2000" dirty="0" smtClean="0">
+                <a:ea typeface="STIXNonUnicode-Regular" charset="0"/>
+                <a:cs typeface="STIXNonUnicode-Regular" charset="0"/>
+              </a:rPr>
+              <a:t> </a:t>
+            </a:r>
+            <a:r>
+              <a:rPr lang="de-DE" sz="2000" dirty="0" err="1" smtClean="0">
+                <a:ea typeface="STIXNonUnicode-Regular" charset="0"/>
+                <a:cs typeface="STIXNonUnicode-Regular" charset="0"/>
+              </a:rPr>
+              <a:t>see</a:t>
+            </a:r>
+            <a:r>
+              <a:rPr lang="de-DE" sz="2000" dirty="0" smtClean="0">
+                <a:ea typeface="STIXNonUnicode-Regular" charset="0"/>
+                <a:cs typeface="STIXNonUnicode-Regular" charset="0"/>
+              </a:rPr>
+              <a:t> </a:t>
+            </a:r>
+            <a:r>
+              <a:rPr lang="de-DE" sz="2000" dirty="0" err="1" smtClean="0">
+                <a:ea typeface="STIXNonUnicode-Regular" charset="0"/>
+                <a:cs typeface="STIXNonUnicode-Regular" charset="0"/>
+              </a:rPr>
+              <a:t>what</a:t>
+            </a:r>
+            <a:r>
+              <a:rPr lang="de-DE" sz="2000" dirty="0" smtClean="0">
+                <a:ea typeface="STIXNonUnicode-Regular" charset="0"/>
+                <a:cs typeface="STIXNonUnicode-Regular" charset="0"/>
+              </a:rPr>
+              <a:t> </a:t>
+            </a:r>
+            <a:r>
+              <a:rPr lang="de-DE" sz="2000" dirty="0" err="1" smtClean="0">
+                <a:ea typeface="STIXNonUnicode-Regular" charset="0"/>
+                <a:cs typeface="STIXNonUnicode-Regular" charset="0"/>
+              </a:rPr>
+              <a:t>esm</a:t>
+            </a:r>
+            <a:r>
+              <a:rPr lang="de-DE" sz="2000" dirty="0" smtClean="0">
+                <a:ea typeface="STIXNonUnicode-Regular" charset="0"/>
+                <a:cs typeface="STIXNonUnicode-Regular" charset="0"/>
+              </a:rPr>
+              <a:t>-master </a:t>
+            </a:r>
+            <a:r>
+              <a:rPr lang="de-DE" sz="2000" dirty="0" err="1" smtClean="0">
+                <a:ea typeface="STIXNonUnicode-Regular" charset="0"/>
+                <a:cs typeface="STIXNonUnicode-Regular" charset="0"/>
+              </a:rPr>
+              <a:t>can</a:t>
+            </a:r>
+            <a:r>
+              <a:rPr lang="de-DE" sz="2000" dirty="0" smtClean="0">
+                <a:ea typeface="STIXNonUnicode-Regular" charset="0"/>
+                <a:cs typeface="STIXNonUnicode-Regular" charset="0"/>
+              </a:rPr>
+              <a:t> do </a:t>
+            </a:r>
+            <a:r>
+              <a:rPr lang="de-DE" sz="2000" dirty="0" err="1" smtClean="0">
+                <a:ea typeface="STIXNonUnicode-Regular" charset="0"/>
+                <a:cs typeface="STIXNonUnicode-Regular" charset="0"/>
+              </a:rPr>
+              <a:t>for</a:t>
+            </a:r>
+            <a:r>
+              <a:rPr lang="de-DE" sz="2000" dirty="0" smtClean="0">
+                <a:ea typeface="STIXNonUnicode-Regular" charset="0"/>
+                <a:cs typeface="STIXNonUnicode-Regular" charset="0"/>
+              </a:rPr>
+              <a:t> </a:t>
+            </a:r>
+            <a:r>
+              <a:rPr lang="de-DE" sz="2000" dirty="0" err="1" smtClean="0">
+                <a:ea typeface="STIXNonUnicode-Regular" charset="0"/>
+                <a:cs typeface="STIXNonUnicode-Regular" charset="0"/>
+              </a:rPr>
+              <a:t>you</a:t>
+            </a:r>
+            <a:r>
+              <a:rPr lang="de-DE" sz="2000" dirty="0" smtClean="0">
+                <a:ea typeface="STIXNonUnicode-Regular" charset="0"/>
+                <a:cs typeface="STIXNonUnicode-Regular" charset="0"/>
+              </a:rPr>
+              <a:t>:</a:t>
+            </a:r>
+          </a:p>
+        </p:txBody>
+      </p:sp>
+      <p:pic>
+        <p:nvPicPr>
+          <p:cNvPr id="4" name="Picture 3"/>
+          <p:cNvPicPr>
+            <a:picLocks noChangeAspect="1"/>
+          </p:cNvPicPr>
+          <p:nvPr/>
+        </p:nvPicPr>
+        <p:blipFill>
+          <a:blip r:embed="rId2">
+            <a:extLst>
+              <a:ext uri="{28A0092B-C50C-407E-A947-70E740481C1C}">
+                <a14:useLocalDpi xmlns:a14="http://schemas.microsoft.com/office/drawing/2010/main" val="0"/>
+              </a:ext>
+            </a:extLst>
+          </a:blip>
+          <a:stretch>
+            <a:fillRect/>
+          </a:stretch>
+        </p:blipFill>
+        <p:spPr>
+          <a:xfrm>
+            <a:off x="3416198" y="1682496"/>
+            <a:ext cx="5430219" cy="4162349"/>
+          </a:xfrm>
+          <a:prstGeom prst="rect">
+            <a:avLst/>
+          </a:prstGeom>
+        </p:spPr>
+      </p:pic>
+      <p:pic>
+        <p:nvPicPr>
+          <p:cNvPr id="5" name="Picture 4"/>
+          <p:cNvPicPr>
+            <a:picLocks noChangeAspect="1"/>
+          </p:cNvPicPr>
+          <p:nvPr/>
+        </p:nvPicPr>
+        <p:blipFill>
+          <a:blip r:embed="rId3">
+            <a:extLst>
+              <a:ext uri="{28A0092B-C50C-407E-A947-70E740481C1C}">
+                <a14:useLocalDpi xmlns:a14="http://schemas.microsoft.com/office/drawing/2010/main" val="0"/>
+              </a:ext>
+            </a:extLst>
+          </a:blip>
+          <a:stretch>
+            <a:fillRect/>
+          </a:stretch>
+        </p:blipFill>
+        <p:spPr>
+          <a:xfrm>
+            <a:off x="5873121" y="2955340"/>
+            <a:ext cx="2921105" cy="3095499"/>
+          </a:xfrm>
+          <a:prstGeom prst="rect">
+            <a:avLst/>
+          </a:prstGeom>
+        </p:spPr>
+      </p:pic>
+      <p:cxnSp>
+        <p:nvCxnSpPr>
+          <p:cNvPr id="7" name="Straight Connector 6"/>
+          <p:cNvCxnSpPr/>
+          <p:nvPr/>
+        </p:nvCxnSpPr>
+        <p:spPr>
+          <a:xfrm>
+            <a:off x="5749747" y="2823665"/>
+            <a:ext cx="0" cy="3358847"/>
+          </a:xfrm>
+          <a:prstGeom prst="line">
+            <a:avLst/>
+          </a:prstGeom>
+          <a:ln w="19050">
+            <a:solidFill>
+              <a:schemeClr val="bg2"/>
+            </a:solidFill>
+          </a:ln>
+        </p:spPr>
+        <p:style>
+          <a:lnRef idx="2">
+            <a:schemeClr val="accent1"/>
+          </a:lnRef>
+          <a:fillRef idx="0">
+            <a:schemeClr val="accent1"/>
+          </a:fillRef>
+          <a:effectRef idx="1">
+            <a:schemeClr val="accent1"/>
+          </a:effectRef>
+          <a:fontRef idx="minor">
+            <a:schemeClr val="tx1"/>
+          </a:fontRef>
+        </p:style>
+      </p:cxnSp>
+      <p:cxnSp>
+        <p:nvCxnSpPr>
+          <p:cNvPr id="8" name="Straight Connector 7"/>
+          <p:cNvCxnSpPr/>
+          <p:nvPr/>
+        </p:nvCxnSpPr>
+        <p:spPr>
+          <a:xfrm>
+            <a:off x="5749747" y="2823665"/>
+            <a:ext cx="3028493" cy="0"/>
+          </a:xfrm>
+          <a:prstGeom prst="line">
+            <a:avLst/>
+          </a:prstGeom>
+          <a:ln w="19050">
+            <a:solidFill>
+              <a:schemeClr val="bg2"/>
+            </a:solidFill>
+          </a:ln>
+        </p:spPr>
+        <p:style>
+          <a:lnRef idx="2">
+            <a:schemeClr val="accent1"/>
+          </a:lnRef>
+          <a:fillRef idx="0">
+            <a:schemeClr val="accent1"/>
+          </a:fillRef>
+          <a:effectRef idx="1">
+            <a:schemeClr val="accent1"/>
+          </a:effectRef>
+          <a:fontRef idx="minor">
+            <a:schemeClr val="tx1"/>
+          </a:fontRef>
+        </p:style>
+      </p:cxnSp>
+    </p:spTree>
+    <p:extLst>
+      <p:ext uri="{BB962C8B-B14F-4D97-AF65-F5344CB8AC3E}">
+        <p14:creationId xmlns:p14="http://schemas.microsoft.com/office/powerpoint/2010/main" val="1602854016"/>
+      </p:ext>
+    </p:extLst>
+  </p:cSld>
+  <p:clrMapOvr>
+    <a:masterClrMapping/>
+  </p:clrMapOvr>
+</p:sld>
+</file>
+
+<file path=ppt/slides/slide5.xml><?xml version="1.0" encoding="utf-8"?>
+<p:sld xmlns:a="http://schemas.openxmlformats.org/drawingml/2006/main" xmlns:r="http://schemas.openxmlformats.org/officeDocument/2006/relationships" xmlns:p="http://schemas.openxmlformats.org/presentationml/2006/main">
+  <p:cSld>
+    <p:spTree>
+      <p:nvGrpSpPr>
+        <p:cNvPr id="1" name=""/>
+        <p:cNvGrpSpPr/>
+        <p:nvPr/>
+      </p:nvGrpSpPr>
+      <p:grpSpPr>
+        <a:xfrm>
+          <a:off x="0" y="0"/>
+          <a:ext cx="0" cy="0"/>
+          <a:chOff x="0" y="0"/>
+          <a:chExt cx="0" cy="0"/>
+        </a:xfrm>
+      </p:grpSpPr>
+      <p:sp>
+        <p:nvSpPr>
+          <p:cNvPr id="2" name="Titel 1"/>
+          <p:cNvSpPr>
+            <a:spLocks noGrp="1"/>
+          </p:cNvSpPr>
+          <p:nvPr>
+            <p:ph type="title"/>
+          </p:nvPr>
+        </p:nvSpPr>
+        <p:spPr/>
+        <p:txBody>
+          <a:bodyPr>
+            <a:normAutofit fontScale="90000"/>
+          </a:bodyPr>
+          <a:lstStyle/>
+          <a:p>
+            <a:r>
+              <a:rPr lang="de-DE" dirty="0" err="1" smtClean="0"/>
+              <a:t>Use</a:t>
+            </a:r>
+            <a:r>
+              <a:rPr lang="de-DE" dirty="0" smtClean="0"/>
+              <a:t> </a:t>
+            </a:r>
+            <a:r>
+              <a:rPr lang="de-DE" dirty="0" err="1" smtClean="0"/>
+              <a:t>esm</a:t>
+            </a:r>
+            <a:r>
+              <a:rPr lang="de-DE" dirty="0" smtClean="0"/>
+              <a:t>-master </a:t>
+            </a:r>
+            <a:r>
+              <a:rPr lang="de-DE" dirty="0" err="1" smtClean="0"/>
+              <a:t>to</a:t>
+            </a:r>
+            <a:r>
+              <a:rPr lang="de-DE" dirty="0" smtClean="0"/>
+              <a:t> </a:t>
+            </a:r>
+            <a:r>
+              <a:rPr lang="de-DE" dirty="0" err="1" smtClean="0"/>
+              <a:t>download</a:t>
+            </a:r>
+            <a:r>
+              <a:rPr lang="de-DE" dirty="0" smtClean="0"/>
+              <a:t> </a:t>
+            </a:r>
+            <a:r>
+              <a:rPr lang="de-DE" dirty="0" err="1" smtClean="0"/>
+              <a:t>stuff</a:t>
+            </a:r>
+            <a:r>
+              <a:rPr lang="mr-IN" dirty="0" smtClean="0"/>
+              <a:t>…</a:t>
+            </a:r>
+            <a:endParaRPr lang="de-DE" dirty="0"/>
+          </a:p>
+        </p:txBody>
+      </p:sp>
+      <p:sp>
+        <p:nvSpPr>
+          <p:cNvPr id="3" name="Inhaltsplatzhalter 2"/>
+          <p:cNvSpPr>
+            <a:spLocks noGrp="1"/>
+          </p:cNvSpPr>
+          <p:nvPr>
+            <p:ph idx="1"/>
+          </p:nvPr>
+        </p:nvSpPr>
+        <p:spPr>
+          <a:xfrm>
+            <a:off x="454526" y="2114886"/>
+            <a:ext cx="8301790" cy="3931920"/>
+          </a:xfrm>
+        </p:spPr>
+        <p:txBody>
+          <a:bodyPr>
+            <a:normAutofit/>
+          </a:bodyPr>
+          <a:lstStyle/>
+          <a:p>
+            <a:pPr marL="0" indent="0" algn="ctr">
+              <a:spcBef>
+                <a:spcPts val="800"/>
+              </a:spcBef>
+              <a:buNone/>
+            </a:pPr>
+            <a:r>
+              <a:rPr lang="de-DE" dirty="0" smtClean="0">
+                <a:latin typeface="STIXNonUnicode-Regular" charset="0"/>
+                <a:ea typeface="STIXNonUnicode-Regular" charset="0"/>
+                <a:cs typeface="STIXNonUnicode-Regular" charset="0"/>
+              </a:rPr>
+              <a:t>`</a:t>
+            </a:r>
+            <a:r>
+              <a:rPr lang="de-DE" i="1" dirty="0" err="1" smtClean="0">
+                <a:latin typeface="STIXNonUnicode-Regular" charset="0"/>
+                <a:ea typeface="STIXNonUnicode-Regular" charset="0"/>
+                <a:cs typeface="STIXNonUnicode-Regular" charset="0"/>
+              </a:rPr>
+              <a:t>make</a:t>
+            </a:r>
+            <a:r>
+              <a:rPr lang="de-DE" i="1" dirty="0" smtClean="0">
+                <a:latin typeface="STIXNonUnicode-Regular" charset="0"/>
+                <a:ea typeface="STIXNonUnicode-Regular" charset="0"/>
+                <a:cs typeface="STIXNonUnicode-Regular" charset="0"/>
+              </a:rPr>
+              <a:t> </a:t>
+            </a:r>
+            <a:r>
+              <a:rPr lang="de-DE" i="1" dirty="0" err="1" smtClean="0">
+                <a:latin typeface="STIXNonUnicode-Regular" charset="0"/>
+                <a:ea typeface="STIXNonUnicode-Regular" charset="0"/>
+                <a:cs typeface="STIXNonUnicode-Regular" charset="0"/>
+              </a:rPr>
+              <a:t>get</a:t>
+            </a:r>
+            <a:r>
+              <a:rPr lang="de-DE" i="1" dirty="0" smtClean="0">
+                <a:latin typeface="STIXNonUnicode-Regular" charset="0"/>
+                <a:ea typeface="STIXNonUnicode-Regular" charset="0"/>
+                <a:cs typeface="STIXNonUnicode-Regular" charset="0"/>
+              </a:rPr>
+              <a:t>-</a:t>
+            </a:r>
+            <a:r>
+              <a:rPr lang="de-DE" i="1" dirty="0" err="1" smtClean="0">
+                <a:latin typeface="STIXNonUnicode-Regular" charset="0"/>
+                <a:ea typeface="STIXNonUnicode-Regular" charset="0"/>
+                <a:cs typeface="STIXNonUnicode-Regular" charset="0"/>
+              </a:rPr>
+              <a:t>stuff</a:t>
+            </a:r>
+            <a:r>
+              <a:rPr lang="de-DE" i="1" dirty="0" smtClean="0">
+                <a:latin typeface="STIXNonUnicode-Regular" charset="0"/>
+                <a:ea typeface="STIXNonUnicode-Regular" charset="0"/>
+                <a:cs typeface="STIXNonUnicode-Regular" charset="0"/>
+              </a:rPr>
+              <a:t>-version</a:t>
+            </a:r>
+            <a:r>
+              <a:rPr lang="de-DE" dirty="0" smtClean="0">
+                <a:latin typeface="STIXNonUnicode-Regular" charset="0"/>
+                <a:ea typeface="STIXNonUnicode-Regular" charset="0"/>
+                <a:cs typeface="STIXNonUnicode-Regular" charset="0"/>
+              </a:rPr>
+              <a:t>`</a:t>
+            </a:r>
+          </a:p>
+          <a:p>
+            <a:pPr marL="0" indent="0" algn="ctr">
+              <a:spcBef>
+                <a:spcPts val="800"/>
+              </a:spcBef>
+              <a:buNone/>
+            </a:pPr>
+            <a:endParaRPr lang="de-DE" dirty="0"/>
+          </a:p>
+          <a:p>
+            <a:pPr marL="0" indent="0" algn="ctr">
+              <a:spcBef>
+                <a:spcPts val="800"/>
+              </a:spcBef>
+              <a:buNone/>
+            </a:pPr>
+            <a:r>
+              <a:rPr lang="de-DE" dirty="0" smtClean="0"/>
+              <a:t>will </a:t>
+            </a:r>
+            <a:r>
+              <a:rPr lang="de-DE" dirty="0" err="1" smtClean="0"/>
+              <a:t>download</a:t>
+            </a:r>
+            <a:r>
+              <a:rPr lang="de-DE" dirty="0" smtClean="0"/>
+              <a:t> </a:t>
+            </a:r>
+            <a:r>
+              <a:rPr lang="de-DE" dirty="0" err="1" smtClean="0"/>
+              <a:t>the</a:t>
+            </a:r>
+            <a:r>
+              <a:rPr lang="de-DE" dirty="0" smtClean="0"/>
+              <a:t> </a:t>
+            </a:r>
+            <a:r>
+              <a:rPr lang="de-DE" dirty="0" err="1" smtClean="0"/>
+              <a:t>named</a:t>
+            </a:r>
+            <a:r>
+              <a:rPr lang="de-DE" dirty="0" smtClean="0"/>
+              <a:t> </a:t>
+            </a:r>
+            <a:r>
+              <a:rPr lang="de-DE" dirty="0" err="1" smtClean="0"/>
+              <a:t>version</a:t>
+            </a:r>
+            <a:r>
+              <a:rPr lang="de-DE" dirty="0" smtClean="0"/>
+              <a:t> </a:t>
+            </a:r>
+            <a:r>
+              <a:rPr lang="de-DE" dirty="0" err="1" smtClean="0"/>
+              <a:t>of</a:t>
+            </a:r>
+            <a:r>
+              <a:rPr lang="de-DE" dirty="0" smtClean="0"/>
+              <a:t> </a:t>
+            </a:r>
+            <a:r>
+              <a:rPr lang="de-DE" dirty="0" err="1" smtClean="0"/>
+              <a:t>software</a:t>
+            </a:r>
+            <a:r>
+              <a:rPr lang="de-DE" dirty="0" smtClean="0"/>
+              <a:t> </a:t>
+            </a:r>
+            <a:r>
+              <a:rPr lang="de-DE" dirty="0" err="1" smtClean="0"/>
+              <a:t>tool</a:t>
+            </a:r>
+            <a:r>
+              <a:rPr lang="de-DE" dirty="0" smtClean="0"/>
+              <a:t> "</a:t>
+            </a:r>
+            <a:r>
+              <a:rPr lang="de-DE" dirty="0" err="1" smtClean="0"/>
+              <a:t>stuff</a:t>
+            </a:r>
+            <a:r>
+              <a:rPr lang="de-DE" dirty="0" smtClean="0"/>
+              <a:t> " </a:t>
+            </a:r>
+            <a:r>
+              <a:rPr lang="de-DE" dirty="0" err="1" smtClean="0"/>
+              <a:t>using</a:t>
+            </a:r>
+            <a:r>
+              <a:rPr lang="de-DE" dirty="0" smtClean="0"/>
+              <a:t> </a:t>
+            </a:r>
+            <a:r>
+              <a:rPr lang="de-DE" dirty="0" err="1" smtClean="0"/>
+              <a:t>svn</a:t>
+            </a:r>
+            <a:r>
+              <a:rPr lang="de-DE" dirty="0" smtClean="0"/>
+              <a:t> </a:t>
+            </a:r>
+            <a:r>
+              <a:rPr lang="de-DE" dirty="0" err="1" smtClean="0"/>
+              <a:t>or</a:t>
+            </a:r>
+            <a:r>
+              <a:rPr lang="de-DE" dirty="0" smtClean="0"/>
+              <a:t> </a:t>
+            </a:r>
+            <a:r>
+              <a:rPr lang="de-DE" dirty="0" err="1" smtClean="0"/>
+              <a:t>git</a:t>
+            </a:r>
+            <a:r>
+              <a:rPr lang="de-DE" dirty="0" smtClean="0"/>
+              <a:t>, </a:t>
+            </a:r>
+            <a:r>
+              <a:rPr lang="de-DE" dirty="0" err="1" smtClean="0"/>
+              <a:t>if</a:t>
+            </a:r>
+            <a:r>
+              <a:rPr lang="de-DE" dirty="0" smtClean="0"/>
+              <a:t> </a:t>
+            </a:r>
+            <a:r>
+              <a:rPr lang="de-DE" dirty="0" err="1" smtClean="0"/>
+              <a:t>the</a:t>
+            </a:r>
+            <a:r>
+              <a:rPr lang="de-DE" dirty="0" smtClean="0"/>
+              <a:t> </a:t>
+            </a:r>
+            <a:r>
+              <a:rPr lang="de-DE" dirty="0" err="1" smtClean="0"/>
+              <a:t>user</a:t>
+            </a:r>
+            <a:r>
+              <a:rPr lang="de-DE" dirty="0" smtClean="0"/>
+              <a:t> </a:t>
+            </a:r>
+            <a:r>
+              <a:rPr lang="de-DE" dirty="0" err="1" smtClean="0"/>
+              <a:t>has</a:t>
+            </a:r>
+            <a:r>
+              <a:rPr lang="de-DE" dirty="0" smtClean="0"/>
+              <a:t> </a:t>
+            </a:r>
+            <a:r>
+              <a:rPr lang="de-DE" dirty="0" err="1" smtClean="0"/>
+              <a:t>access</a:t>
+            </a:r>
+            <a:r>
+              <a:rPr lang="de-DE" dirty="0" smtClean="0"/>
+              <a:t> </a:t>
+            </a:r>
+            <a:r>
+              <a:rPr lang="de-DE" dirty="0" err="1" smtClean="0"/>
+              <a:t>to</a:t>
+            </a:r>
+            <a:r>
+              <a:rPr lang="de-DE" dirty="0" smtClean="0"/>
+              <a:t> </a:t>
+            </a:r>
+            <a:r>
+              <a:rPr lang="de-DE" dirty="0" err="1" smtClean="0"/>
+              <a:t>the</a:t>
+            </a:r>
+            <a:r>
+              <a:rPr lang="de-DE" dirty="0" smtClean="0"/>
+              <a:t> </a:t>
+            </a:r>
+            <a:r>
+              <a:rPr lang="de-DE" dirty="0" err="1" smtClean="0"/>
+              <a:t>repository</a:t>
+            </a:r>
+            <a:r>
+              <a:rPr lang="de-DE" dirty="0" smtClean="0"/>
+              <a:t> </a:t>
+            </a:r>
+            <a:r>
+              <a:rPr lang="de-DE" dirty="0" err="1" smtClean="0"/>
+              <a:t>of</a:t>
+            </a:r>
+            <a:r>
+              <a:rPr lang="de-DE" dirty="0" smtClean="0"/>
+              <a:t> "</a:t>
+            </a:r>
+            <a:r>
+              <a:rPr lang="de-DE" dirty="0" err="1" smtClean="0"/>
+              <a:t>stuff</a:t>
+            </a:r>
+            <a:r>
+              <a:rPr lang="de-DE" dirty="0" smtClean="0"/>
+              <a:t> ".</a:t>
+            </a:r>
+          </a:p>
+          <a:p>
+            <a:pPr marL="0" indent="0" algn="ctr">
+              <a:spcBef>
+                <a:spcPts val="800"/>
+              </a:spcBef>
+              <a:buNone/>
+            </a:pPr>
+            <a:r>
+              <a:rPr lang="de-DE" dirty="0" smtClean="0"/>
+              <a:t>The </a:t>
+            </a:r>
+            <a:r>
+              <a:rPr lang="de-DE" dirty="0" err="1" smtClean="0"/>
+              <a:t>tool</a:t>
+            </a:r>
+            <a:r>
+              <a:rPr lang="de-DE" dirty="0" smtClean="0"/>
+              <a:t> </a:t>
+            </a:r>
+            <a:r>
+              <a:rPr lang="de-DE" dirty="0" err="1" smtClean="0"/>
+              <a:t>does</a:t>
+            </a:r>
+            <a:r>
+              <a:rPr lang="de-DE" dirty="0" smtClean="0"/>
+              <a:t> not </a:t>
+            </a:r>
+            <a:r>
+              <a:rPr lang="de-DE" dirty="0" err="1" smtClean="0"/>
+              <a:t>replace</a:t>
+            </a:r>
+            <a:r>
+              <a:rPr lang="de-DE" dirty="0" smtClean="0"/>
+              <a:t> </a:t>
+            </a:r>
+            <a:r>
+              <a:rPr lang="de-DE" dirty="0" err="1" smtClean="0"/>
+              <a:t>the</a:t>
+            </a:r>
+            <a:r>
+              <a:rPr lang="de-DE" dirty="0" smtClean="0"/>
+              <a:t> </a:t>
+            </a:r>
+            <a:r>
+              <a:rPr lang="de-DE" dirty="0" err="1" smtClean="0"/>
+              <a:t>permission</a:t>
+            </a:r>
+            <a:r>
+              <a:rPr lang="de-DE" dirty="0" smtClean="0"/>
+              <a:t> </a:t>
+            </a:r>
+            <a:r>
+              <a:rPr lang="de-DE" dirty="0" err="1" smtClean="0"/>
+              <a:t>of</a:t>
+            </a:r>
+            <a:r>
+              <a:rPr lang="de-DE" dirty="0" smtClean="0"/>
+              <a:t> </a:t>
+            </a:r>
+            <a:r>
+              <a:rPr lang="de-DE" dirty="0" err="1" smtClean="0"/>
+              <a:t>the</a:t>
+            </a:r>
+            <a:r>
+              <a:rPr lang="de-DE" dirty="0" smtClean="0"/>
+              <a:t> </a:t>
+            </a:r>
+            <a:r>
+              <a:rPr lang="de-DE" dirty="0" err="1" smtClean="0"/>
+              <a:t>owner</a:t>
+            </a:r>
+            <a:r>
+              <a:rPr lang="de-DE" dirty="0" smtClean="0"/>
+              <a:t> </a:t>
+            </a:r>
+            <a:r>
+              <a:rPr lang="de-DE" dirty="0" err="1" smtClean="0"/>
+              <a:t>of</a:t>
+            </a:r>
+            <a:r>
+              <a:rPr lang="de-DE" dirty="0" smtClean="0"/>
+              <a:t> </a:t>
+            </a:r>
+            <a:r>
+              <a:rPr lang="de-DE" dirty="0" err="1" smtClean="0"/>
+              <a:t>the</a:t>
+            </a:r>
+            <a:r>
+              <a:rPr lang="de-DE" dirty="0" smtClean="0"/>
+              <a:t> </a:t>
+            </a:r>
+            <a:r>
+              <a:rPr lang="de-DE" dirty="0" err="1" smtClean="0"/>
+              <a:t>repository</a:t>
+            </a:r>
+            <a:r>
+              <a:rPr lang="de-DE" dirty="0" smtClean="0"/>
+              <a:t>!</a:t>
+            </a:r>
+            <a:endParaRPr lang="de-DE" dirty="0"/>
+          </a:p>
+        </p:txBody>
+      </p:sp>
+    </p:spTree>
+    <p:extLst>
+      <p:ext uri="{BB962C8B-B14F-4D97-AF65-F5344CB8AC3E}">
+        <p14:creationId xmlns:p14="http://schemas.microsoft.com/office/powerpoint/2010/main" val="1350549389"/>
+      </p:ext>
+    </p:extLst>
+  </p:cSld>
+  <p:clrMapOvr>
+    <a:masterClrMapping/>
+  </p:clrMapOvr>
+</p:sld>
+</file>
+
+<file path=ppt/slides/slide6.xml><?xml version="1.0" encoding="utf-8"?>
+<p:sld xmlns:a="http://schemas.openxmlformats.org/drawingml/2006/main" xmlns:r="http://schemas.openxmlformats.org/officeDocument/2006/relationships" xmlns:p="http://schemas.openxmlformats.org/presentationml/2006/main">
+  <p:cSld>
+    <p:spTree>
+      <p:nvGrpSpPr>
+        <p:cNvPr id="1" name=""/>
+        <p:cNvGrpSpPr/>
+        <p:nvPr/>
+      </p:nvGrpSpPr>
+      <p:grpSpPr>
+        <a:xfrm>
+          <a:off x="0" y="0"/>
+          <a:ext cx="0" cy="0"/>
+          <a:chOff x="0" y="0"/>
+          <a:chExt cx="0" cy="0"/>
+        </a:xfrm>
+      </p:grpSpPr>
+      <p:sp>
+        <p:nvSpPr>
+          <p:cNvPr id="2" name="Titel 1"/>
+          <p:cNvSpPr>
+            <a:spLocks noGrp="1"/>
+          </p:cNvSpPr>
+          <p:nvPr>
+            <p:ph type="title"/>
+          </p:nvPr>
+        </p:nvSpPr>
+        <p:spPr/>
+        <p:txBody>
+          <a:bodyPr>
+            <a:normAutofit/>
+          </a:bodyPr>
+          <a:lstStyle/>
+          <a:p>
+            <a:r>
+              <a:rPr lang="mr-IN" dirty="0" smtClean="0"/>
+              <a:t>…</a:t>
+            </a:r>
+            <a:r>
+              <a:rPr lang="de-DE" dirty="0" err="1" smtClean="0"/>
+              <a:t>to</a:t>
+            </a:r>
+            <a:r>
+              <a:rPr lang="de-DE" dirty="0" smtClean="0"/>
+              <a:t> </a:t>
+            </a:r>
+            <a:r>
+              <a:rPr lang="de-DE" dirty="0" err="1" smtClean="0"/>
+              <a:t>configure</a:t>
+            </a:r>
+            <a:r>
+              <a:rPr lang="de-DE" dirty="0" smtClean="0"/>
+              <a:t> </a:t>
+            </a:r>
+            <a:r>
+              <a:rPr lang="de-DE" dirty="0" err="1" smtClean="0"/>
+              <a:t>stuff</a:t>
+            </a:r>
+            <a:r>
+              <a:rPr lang="mr-IN" dirty="0" smtClean="0"/>
+              <a:t>…</a:t>
+            </a:r>
+            <a:endParaRPr lang="de-DE" dirty="0"/>
+          </a:p>
+        </p:txBody>
+      </p:sp>
+      <p:sp>
+        <p:nvSpPr>
+          <p:cNvPr id="3" name="Inhaltsplatzhalter 2"/>
+          <p:cNvSpPr>
+            <a:spLocks noGrp="1"/>
+          </p:cNvSpPr>
+          <p:nvPr>
+            <p:ph idx="1"/>
+          </p:nvPr>
+        </p:nvSpPr>
+        <p:spPr>
+          <a:xfrm>
+            <a:off x="454526" y="2114886"/>
+            <a:ext cx="8301790" cy="3931920"/>
+          </a:xfrm>
+        </p:spPr>
+        <p:txBody>
+          <a:bodyPr>
+            <a:normAutofit/>
+          </a:bodyPr>
+          <a:lstStyle/>
+          <a:p>
+            <a:pPr marL="0" indent="0" algn="ctr">
+              <a:spcBef>
+                <a:spcPts val="800"/>
+              </a:spcBef>
+              <a:buNone/>
+            </a:pPr>
+            <a:r>
+              <a:rPr lang="de-DE" dirty="0">
+                <a:latin typeface="STIXNonUnicode-Regular" charset="0"/>
+                <a:ea typeface="STIXNonUnicode-Regular" charset="0"/>
+                <a:cs typeface="STIXNonUnicode-Regular" charset="0"/>
+              </a:rPr>
+              <a:t>'</a:t>
+            </a:r>
+            <a:r>
+              <a:rPr lang="de-DE" i="1" dirty="0" err="1" smtClean="0">
+                <a:latin typeface="STIXNonUnicode-Regular" charset="0"/>
+                <a:ea typeface="STIXNonUnicode-Regular" charset="0"/>
+                <a:cs typeface="STIXNonUnicode-Regular" charset="0"/>
+              </a:rPr>
+              <a:t>make</a:t>
+            </a:r>
+            <a:r>
+              <a:rPr lang="de-DE" i="1" dirty="0" smtClean="0">
+                <a:latin typeface="STIXNonUnicode-Regular" charset="0"/>
+                <a:ea typeface="STIXNonUnicode-Regular" charset="0"/>
+                <a:cs typeface="STIXNonUnicode-Regular" charset="0"/>
+              </a:rPr>
+              <a:t> </a:t>
+            </a:r>
+            <a:r>
+              <a:rPr lang="de-DE" i="1" dirty="0" err="1" smtClean="0">
+                <a:latin typeface="STIXNonUnicode-Regular" charset="0"/>
+                <a:ea typeface="STIXNonUnicode-Regular" charset="0"/>
+                <a:cs typeface="STIXNonUnicode-Regular" charset="0"/>
+              </a:rPr>
+              <a:t>conf</a:t>
+            </a:r>
+            <a:r>
+              <a:rPr lang="de-DE" i="1" dirty="0" smtClean="0">
+                <a:latin typeface="STIXNonUnicode-Regular" charset="0"/>
+                <a:ea typeface="STIXNonUnicode-Regular" charset="0"/>
+                <a:cs typeface="STIXNonUnicode-Regular" charset="0"/>
+              </a:rPr>
+              <a:t>-</a:t>
+            </a:r>
+            <a:r>
+              <a:rPr lang="de-DE" i="1" dirty="0" err="1" smtClean="0">
+                <a:latin typeface="STIXNonUnicode-Regular" charset="0"/>
+                <a:ea typeface="STIXNonUnicode-Regular" charset="0"/>
+                <a:cs typeface="STIXNonUnicode-Regular" charset="0"/>
+              </a:rPr>
+              <a:t>stuff</a:t>
+            </a:r>
+            <a:r>
+              <a:rPr lang="de-DE" i="1" dirty="0" smtClean="0">
+                <a:latin typeface="STIXNonUnicode-Regular" charset="0"/>
+                <a:ea typeface="STIXNonUnicode-Regular" charset="0"/>
+                <a:cs typeface="STIXNonUnicode-Regular" charset="0"/>
+              </a:rPr>
+              <a:t>-version</a:t>
+            </a:r>
+            <a:r>
+              <a:rPr lang="de-DE" dirty="0">
+                <a:latin typeface="STIXNonUnicode-Regular" charset="0"/>
+                <a:ea typeface="STIXNonUnicode-Regular" charset="0"/>
+                <a:cs typeface="STIXNonUnicode-Regular" charset="0"/>
+              </a:rPr>
+              <a:t>'</a:t>
+            </a:r>
+            <a:endParaRPr lang="de-DE" dirty="0" smtClean="0">
+              <a:latin typeface="STIXNonUnicode-Regular" charset="0"/>
+              <a:ea typeface="STIXNonUnicode-Regular" charset="0"/>
+              <a:cs typeface="STIXNonUnicode-Regular" charset="0"/>
+            </a:endParaRPr>
+          </a:p>
+          <a:p>
+            <a:pPr marL="0" indent="0" algn="ctr">
+              <a:spcBef>
+                <a:spcPts val="800"/>
+              </a:spcBef>
+              <a:buNone/>
+            </a:pPr>
+            <a:endParaRPr lang="de-DE" dirty="0"/>
+          </a:p>
+          <a:p>
+            <a:pPr marL="0" indent="0" algn="ctr">
+              <a:spcBef>
+                <a:spcPts val="800"/>
+              </a:spcBef>
+              <a:buNone/>
+            </a:pPr>
+            <a:r>
+              <a:rPr lang="de-DE" dirty="0" err="1" smtClean="0"/>
+              <a:t>Some</a:t>
+            </a:r>
+            <a:r>
+              <a:rPr lang="de-DE" dirty="0" smtClean="0"/>
+              <a:t> </a:t>
+            </a:r>
+            <a:r>
+              <a:rPr lang="de-DE" dirty="0" err="1" smtClean="0"/>
+              <a:t>models</a:t>
+            </a:r>
+            <a:r>
+              <a:rPr lang="de-DE" dirty="0" smtClean="0"/>
+              <a:t> </a:t>
+            </a:r>
+            <a:r>
+              <a:rPr lang="de-DE" dirty="0" err="1" smtClean="0"/>
+              <a:t>require</a:t>
+            </a:r>
+            <a:r>
+              <a:rPr lang="de-DE" dirty="0" smtClean="0"/>
+              <a:t> </a:t>
+            </a:r>
+            <a:r>
+              <a:rPr lang="de-DE" dirty="0" err="1" smtClean="0"/>
+              <a:t>configuration</a:t>
+            </a:r>
+            <a:r>
+              <a:rPr lang="de-DE" dirty="0" smtClean="0"/>
+              <a:t> </a:t>
+            </a:r>
+            <a:r>
+              <a:rPr lang="de-DE" dirty="0" err="1" smtClean="0"/>
+              <a:t>before</a:t>
+            </a:r>
+            <a:r>
+              <a:rPr lang="de-DE" dirty="0" smtClean="0"/>
+              <a:t> </a:t>
+            </a:r>
+            <a:r>
+              <a:rPr lang="de-DE" dirty="0" err="1" smtClean="0"/>
+              <a:t>compiling</a:t>
+            </a:r>
+            <a:r>
+              <a:rPr lang="de-DE" dirty="0" smtClean="0"/>
+              <a:t>, e.g. </a:t>
+            </a:r>
+            <a:r>
+              <a:rPr lang="de-DE" dirty="0" err="1" smtClean="0"/>
+              <a:t>mpiesm</a:t>
+            </a:r>
+            <a:r>
+              <a:rPr lang="de-DE" dirty="0" smtClean="0"/>
+              <a:t>. </a:t>
+            </a:r>
+          </a:p>
+          <a:p>
+            <a:pPr marL="0" indent="0" algn="ctr">
+              <a:spcBef>
+                <a:spcPts val="800"/>
+              </a:spcBef>
+              <a:buNone/>
+            </a:pPr>
+            <a:r>
+              <a:rPr lang="de-DE" dirty="0" smtClean="0"/>
+              <a:t>The </a:t>
+            </a:r>
+            <a:r>
+              <a:rPr lang="de-DE" dirty="0" err="1" smtClean="0"/>
+              <a:t>tools</a:t>
+            </a:r>
+            <a:r>
+              <a:rPr lang="de-DE" dirty="0" smtClean="0"/>
+              <a:t> </a:t>
+            </a:r>
+            <a:r>
+              <a:rPr lang="de-DE" dirty="0" err="1" smtClean="0"/>
+              <a:t>esm</a:t>
+            </a:r>
+            <a:r>
+              <a:rPr lang="de-DE" dirty="0" smtClean="0"/>
+              <a:t>-master </a:t>
+            </a:r>
+            <a:r>
+              <a:rPr lang="de-DE" dirty="0" err="1" smtClean="0"/>
+              <a:t>and</a:t>
+            </a:r>
+            <a:r>
+              <a:rPr lang="de-DE" dirty="0" smtClean="0"/>
+              <a:t> </a:t>
+            </a:r>
+            <a:r>
+              <a:rPr lang="de-DE" dirty="0" err="1" smtClean="0"/>
+              <a:t>esm-runscripts</a:t>
+            </a:r>
+            <a:r>
+              <a:rPr lang="de-DE" dirty="0" smtClean="0"/>
+              <a:t> also </a:t>
+            </a:r>
+            <a:r>
+              <a:rPr lang="de-DE" dirty="0" err="1" smtClean="0"/>
+              <a:t>can</a:t>
+            </a:r>
+            <a:r>
+              <a:rPr lang="de-DE" dirty="0" smtClean="0"/>
+              <a:t> </a:t>
+            </a:r>
+            <a:r>
+              <a:rPr lang="de-DE" dirty="0" err="1" smtClean="0"/>
+              <a:t>be</a:t>
+            </a:r>
+            <a:r>
+              <a:rPr lang="de-DE" dirty="0" smtClean="0"/>
+              <a:t> </a:t>
+            </a:r>
+            <a:r>
+              <a:rPr lang="de-DE" dirty="0" err="1" smtClean="0"/>
+              <a:t>configured</a:t>
+            </a:r>
+            <a:r>
+              <a:rPr lang="de-DE" dirty="0" smtClean="0"/>
+              <a:t>, </a:t>
+            </a:r>
+            <a:r>
+              <a:rPr lang="de-DE" dirty="0" err="1" smtClean="0"/>
+              <a:t>and</a:t>
+            </a:r>
+            <a:r>
+              <a:rPr lang="de-DE" dirty="0" smtClean="0"/>
+              <a:t> </a:t>
+            </a:r>
+            <a:r>
+              <a:rPr lang="de-DE" dirty="0" err="1" smtClean="0"/>
+              <a:t>by</a:t>
+            </a:r>
+            <a:r>
+              <a:rPr lang="de-DE" dirty="0" smtClean="0"/>
+              <a:t> </a:t>
+            </a:r>
+            <a:r>
+              <a:rPr lang="de-DE" dirty="0" err="1" smtClean="0"/>
+              <a:t>default</a:t>
+            </a:r>
+            <a:r>
+              <a:rPr lang="de-DE" dirty="0" smtClean="0"/>
+              <a:t> will </a:t>
+            </a:r>
+            <a:r>
+              <a:rPr lang="de-DE" dirty="0" err="1" smtClean="0"/>
+              <a:t>be</a:t>
+            </a:r>
+            <a:r>
+              <a:rPr lang="de-DE" dirty="0" smtClean="0"/>
+              <a:t> </a:t>
+            </a:r>
+            <a:r>
+              <a:rPr lang="de-DE" dirty="0" err="1" smtClean="0"/>
+              <a:t>by</a:t>
+            </a:r>
+            <a:r>
+              <a:rPr lang="de-DE" dirty="0" smtClean="0"/>
+              <a:t> '</a:t>
+            </a:r>
+            <a:r>
+              <a:rPr lang="de-DE" i="1" dirty="0" err="1" smtClean="0">
+                <a:latin typeface="STIXNonUnicode-Regular" charset="0"/>
+                <a:ea typeface="STIXNonUnicode-Regular" charset="0"/>
+                <a:cs typeface="STIXNonUnicode-Regular" charset="0"/>
+              </a:rPr>
+              <a:t>make</a:t>
+            </a:r>
+            <a:r>
+              <a:rPr lang="de-DE" i="1" dirty="0" smtClean="0">
+                <a:latin typeface="STIXNonUnicode-Regular" charset="0"/>
+                <a:ea typeface="STIXNonUnicode-Regular" charset="0"/>
+                <a:cs typeface="STIXNonUnicode-Regular" charset="0"/>
+              </a:rPr>
+              <a:t> </a:t>
+            </a:r>
+            <a:r>
+              <a:rPr lang="de-DE" i="1" dirty="0" err="1" smtClean="0">
+                <a:latin typeface="STIXNonUnicode-Regular" charset="0"/>
+                <a:ea typeface="STIXNonUnicode-Regular" charset="0"/>
+                <a:cs typeface="STIXNonUnicode-Regular" charset="0"/>
+              </a:rPr>
+              <a:t>get</a:t>
+            </a:r>
+            <a:r>
+              <a:rPr lang="de-DE" i="1" dirty="0" smtClean="0">
+                <a:latin typeface="STIXNonUnicode-Regular" charset="0"/>
+                <a:ea typeface="STIXNonUnicode-Regular" charset="0"/>
+                <a:cs typeface="STIXNonUnicode-Regular" charset="0"/>
+              </a:rPr>
+              <a:t>-</a:t>
+            </a:r>
+            <a:r>
+              <a:rPr lang="de-DE" dirty="0" smtClean="0"/>
+              <a:t>‘. In </a:t>
+            </a:r>
+            <a:r>
+              <a:rPr lang="de-DE" dirty="0" err="1" smtClean="0"/>
+              <a:t>this</a:t>
+            </a:r>
+            <a:r>
+              <a:rPr lang="de-DE" dirty="0" smtClean="0"/>
+              <a:t> </a:t>
+            </a:r>
+            <a:r>
+              <a:rPr lang="de-DE" dirty="0" err="1" smtClean="0"/>
+              <a:t>case</a:t>
+            </a:r>
+            <a:r>
+              <a:rPr lang="de-DE" dirty="0" smtClean="0"/>
+              <a:t>,</a:t>
+            </a:r>
+          </a:p>
+          <a:p>
+            <a:pPr marL="0" indent="0" algn="ctr">
+              <a:spcBef>
+                <a:spcPts val="800"/>
+              </a:spcBef>
+              <a:buNone/>
+            </a:pPr>
+            <a:r>
+              <a:rPr lang="de-DE" dirty="0" err="1" smtClean="0"/>
+              <a:t>calling</a:t>
+            </a:r>
+            <a:r>
+              <a:rPr lang="de-DE" dirty="0" smtClean="0"/>
+              <a:t> '</a:t>
+            </a:r>
+            <a:r>
+              <a:rPr lang="de-DE" i="1" dirty="0" err="1" smtClean="0">
+                <a:latin typeface="STIXNonUnicode-Regular" charset="0"/>
+                <a:ea typeface="STIXNonUnicode-Regular" charset="0"/>
+                <a:cs typeface="STIXNonUnicode-Regular" charset="0"/>
+              </a:rPr>
+              <a:t>make</a:t>
+            </a:r>
+            <a:r>
+              <a:rPr lang="de-DE" i="1" dirty="0" smtClean="0">
+                <a:latin typeface="STIXNonUnicode-Regular" charset="0"/>
+                <a:ea typeface="STIXNonUnicode-Regular" charset="0"/>
+                <a:cs typeface="STIXNonUnicode-Regular" charset="0"/>
+              </a:rPr>
+              <a:t> </a:t>
+            </a:r>
+            <a:r>
+              <a:rPr lang="de-DE" i="1" dirty="0" err="1" smtClean="0">
+                <a:latin typeface="STIXNonUnicode-Regular" charset="0"/>
+                <a:ea typeface="STIXNonUnicode-Regular" charset="0"/>
+                <a:cs typeface="STIXNonUnicode-Regular" charset="0"/>
+              </a:rPr>
+              <a:t>conf</a:t>
+            </a:r>
+            <a:r>
+              <a:rPr lang="de-DE" i="1" dirty="0" smtClean="0">
+                <a:latin typeface="STIXNonUnicode-Regular" charset="0"/>
+                <a:ea typeface="STIXNonUnicode-Regular" charset="0"/>
+                <a:cs typeface="STIXNonUnicode-Regular" charset="0"/>
+              </a:rPr>
+              <a:t>-</a:t>
+            </a:r>
+            <a:r>
+              <a:rPr lang="de-DE" dirty="0" smtClean="0"/>
+              <a:t>‘ will </a:t>
+            </a:r>
+            <a:r>
+              <a:rPr lang="de-DE" dirty="0" err="1" smtClean="0"/>
+              <a:t>restart</a:t>
+            </a:r>
+            <a:r>
+              <a:rPr lang="de-DE" dirty="0" smtClean="0"/>
+              <a:t> </a:t>
+            </a:r>
+            <a:r>
+              <a:rPr lang="de-DE" dirty="0" err="1" smtClean="0"/>
+              <a:t>the</a:t>
+            </a:r>
+            <a:r>
+              <a:rPr lang="de-DE" dirty="0" smtClean="0"/>
+              <a:t> </a:t>
+            </a:r>
+            <a:r>
+              <a:rPr lang="de-DE" dirty="0" err="1" smtClean="0"/>
+              <a:t>configuration</a:t>
+            </a:r>
+            <a:r>
+              <a:rPr lang="de-DE" dirty="0" smtClean="0"/>
+              <a:t> </a:t>
+            </a:r>
+            <a:r>
+              <a:rPr lang="de-DE" dirty="0" err="1" smtClean="0"/>
+              <a:t>steps</a:t>
+            </a:r>
+            <a:r>
+              <a:rPr lang="de-DE" dirty="0" smtClean="0"/>
+              <a:t>.</a:t>
+            </a:r>
+            <a:endParaRPr lang="de-DE" dirty="0"/>
+          </a:p>
+        </p:txBody>
+      </p:sp>
+    </p:spTree>
+    <p:extLst>
+      <p:ext uri="{BB962C8B-B14F-4D97-AF65-F5344CB8AC3E}">
+        <p14:creationId xmlns:p14="http://schemas.microsoft.com/office/powerpoint/2010/main" val="1838558710"/>
+      </p:ext>
+    </p:extLst>
+  </p:cSld>
+  <p:clrMapOvr>
+    <a:masterClrMapping/>
+  </p:clrMapOvr>
+</p:sld>
+</file>
+
+<file path=ppt/slides/slide7.xml><?xml version="1.0" encoding="utf-8"?>
+<p:sld xmlns:a="http://schemas.openxmlformats.org/drawingml/2006/main" xmlns:r="http://schemas.openxmlformats.org/officeDocument/2006/relationships" xmlns:p="http://schemas.openxmlformats.org/presentationml/2006/main">
+  <p:cSld>
+    <p:spTree>
+      <p:nvGrpSpPr>
+        <p:cNvPr id="1" name=""/>
+        <p:cNvGrpSpPr/>
+        <p:nvPr/>
+      </p:nvGrpSpPr>
+      <p:grpSpPr>
+        <a:xfrm>
+          <a:off x="0" y="0"/>
+          <a:ext cx="0" cy="0"/>
+          <a:chOff x="0" y="0"/>
+          <a:chExt cx="0" cy="0"/>
+        </a:xfrm>
+      </p:grpSpPr>
+      <p:sp>
+        <p:nvSpPr>
+          <p:cNvPr id="2" name="Titel 1"/>
+          <p:cNvSpPr>
+            <a:spLocks noGrp="1"/>
+          </p:cNvSpPr>
+          <p:nvPr>
+            <p:ph type="title"/>
+          </p:nvPr>
+        </p:nvSpPr>
+        <p:spPr/>
+        <p:txBody>
+          <a:bodyPr>
+            <a:normAutofit/>
+          </a:bodyPr>
+          <a:lstStyle/>
+          <a:p>
+            <a:r>
+              <a:rPr lang="mr-IN" dirty="0" smtClean="0"/>
+              <a:t>…</a:t>
+            </a:r>
+            <a:r>
+              <a:rPr lang="de-DE" dirty="0" err="1" smtClean="0"/>
+              <a:t>to</a:t>
+            </a:r>
+            <a:r>
+              <a:rPr lang="de-DE" dirty="0" smtClean="0"/>
+              <a:t> </a:t>
+            </a:r>
+            <a:r>
+              <a:rPr lang="de-DE" dirty="0" err="1" smtClean="0"/>
+              <a:t>compile</a:t>
+            </a:r>
+            <a:r>
+              <a:rPr lang="de-DE" dirty="0" smtClean="0"/>
+              <a:t> </a:t>
+            </a:r>
+            <a:r>
+              <a:rPr lang="de-DE" dirty="0" err="1" smtClean="0"/>
+              <a:t>stuff</a:t>
+            </a:r>
+            <a:r>
+              <a:rPr lang="mr-IN" dirty="0" smtClean="0"/>
+              <a:t>…</a:t>
+            </a:r>
+            <a:endParaRPr lang="de-DE" dirty="0"/>
+          </a:p>
+        </p:txBody>
+      </p:sp>
+      <p:sp>
+        <p:nvSpPr>
+          <p:cNvPr id="3" name="Inhaltsplatzhalter 2"/>
+          <p:cNvSpPr>
+            <a:spLocks noGrp="1"/>
+          </p:cNvSpPr>
+          <p:nvPr>
+            <p:ph idx="1"/>
+          </p:nvPr>
+        </p:nvSpPr>
+        <p:spPr>
+          <a:xfrm>
+            <a:off x="454526" y="2114886"/>
+            <a:ext cx="8301790" cy="3931920"/>
+          </a:xfrm>
+        </p:spPr>
+        <p:txBody>
+          <a:bodyPr>
+            <a:normAutofit/>
+          </a:bodyPr>
+          <a:lstStyle/>
+          <a:p>
+            <a:pPr marL="0" indent="0" algn="ctr">
+              <a:spcBef>
+                <a:spcPts val="800"/>
+              </a:spcBef>
+              <a:buNone/>
+            </a:pPr>
+            <a:r>
+              <a:rPr lang="de-DE" dirty="0">
+                <a:latin typeface="STIXNonUnicode-Regular" charset="0"/>
+                <a:ea typeface="STIXNonUnicode-Regular" charset="0"/>
+                <a:cs typeface="STIXNonUnicode-Regular" charset="0"/>
+              </a:rPr>
+              <a:t>'</a:t>
+            </a:r>
+            <a:r>
+              <a:rPr lang="de-DE" i="1" dirty="0" err="1" smtClean="0">
+                <a:latin typeface="STIXNonUnicode-Regular" charset="0"/>
+                <a:ea typeface="STIXNonUnicode-Regular" charset="0"/>
+                <a:cs typeface="STIXNonUnicode-Regular" charset="0"/>
+              </a:rPr>
+              <a:t>make</a:t>
+            </a:r>
+            <a:r>
+              <a:rPr lang="de-DE" i="1" dirty="0" smtClean="0">
+                <a:latin typeface="STIXNonUnicode-Regular" charset="0"/>
+                <a:ea typeface="STIXNonUnicode-Regular" charset="0"/>
+                <a:cs typeface="STIXNonUnicode-Regular" charset="0"/>
+              </a:rPr>
+              <a:t> </a:t>
+            </a:r>
+            <a:r>
+              <a:rPr lang="de-DE" i="1" dirty="0" err="1" smtClean="0">
+                <a:latin typeface="STIXNonUnicode-Regular" charset="0"/>
+                <a:ea typeface="STIXNonUnicode-Regular" charset="0"/>
+                <a:cs typeface="STIXNonUnicode-Regular" charset="0"/>
+              </a:rPr>
+              <a:t>comp</a:t>
+            </a:r>
+            <a:r>
+              <a:rPr lang="de-DE" i="1" dirty="0" smtClean="0">
+                <a:latin typeface="STIXNonUnicode-Regular" charset="0"/>
+                <a:ea typeface="STIXNonUnicode-Regular" charset="0"/>
+                <a:cs typeface="STIXNonUnicode-Regular" charset="0"/>
+              </a:rPr>
+              <a:t>-</a:t>
+            </a:r>
+            <a:r>
+              <a:rPr lang="de-DE" i="1" dirty="0" err="1" smtClean="0">
+                <a:latin typeface="STIXNonUnicode-Regular" charset="0"/>
+                <a:ea typeface="STIXNonUnicode-Regular" charset="0"/>
+                <a:cs typeface="STIXNonUnicode-Regular" charset="0"/>
+              </a:rPr>
+              <a:t>stuff</a:t>
+            </a:r>
+            <a:r>
+              <a:rPr lang="de-DE" i="1" dirty="0" smtClean="0">
+                <a:latin typeface="STIXNonUnicode-Regular" charset="0"/>
+                <a:ea typeface="STIXNonUnicode-Regular" charset="0"/>
+                <a:cs typeface="STIXNonUnicode-Regular" charset="0"/>
+              </a:rPr>
+              <a:t>-version</a:t>
+            </a:r>
+            <a:r>
+              <a:rPr lang="de-DE" dirty="0">
+                <a:latin typeface="STIXNonUnicode-Regular" charset="0"/>
+                <a:ea typeface="STIXNonUnicode-Regular" charset="0"/>
+                <a:cs typeface="STIXNonUnicode-Regular" charset="0"/>
+              </a:rPr>
+              <a:t>'</a:t>
+            </a:r>
+            <a:endParaRPr lang="de-DE" dirty="0" smtClean="0">
+              <a:latin typeface="STIXNonUnicode-Regular" charset="0"/>
+              <a:ea typeface="STIXNonUnicode-Regular" charset="0"/>
+              <a:cs typeface="STIXNonUnicode-Regular" charset="0"/>
+            </a:endParaRPr>
+          </a:p>
+          <a:p>
+            <a:pPr marL="0" indent="0" algn="ctr">
+              <a:spcBef>
+                <a:spcPts val="800"/>
+              </a:spcBef>
+              <a:buNone/>
+            </a:pPr>
+            <a:endParaRPr lang="de-DE" dirty="0"/>
+          </a:p>
+          <a:p>
+            <a:pPr marL="0" indent="0" algn="ctr">
+              <a:spcBef>
+                <a:spcPts val="800"/>
+              </a:spcBef>
+              <a:buNone/>
+            </a:pPr>
+            <a:r>
+              <a:rPr lang="de-DE" i="1" dirty="0" err="1" smtClean="0">
+                <a:latin typeface="STIXNonUnicode-Regular" charset="0"/>
+                <a:ea typeface="STIXNonUnicode-Regular" charset="0"/>
+                <a:cs typeface="STIXNonUnicode-Regular" charset="0"/>
+              </a:rPr>
+              <a:t>esm</a:t>
+            </a:r>
+            <a:r>
+              <a:rPr lang="de-DE" i="1" dirty="0" smtClean="0">
+                <a:latin typeface="STIXNonUnicode-Regular" charset="0"/>
+                <a:ea typeface="STIXNonUnicode-Regular" charset="0"/>
+                <a:cs typeface="STIXNonUnicode-Regular" charset="0"/>
+              </a:rPr>
+              <a:t>-master</a:t>
+            </a:r>
+            <a:r>
+              <a:rPr lang="de-DE" dirty="0" smtClean="0"/>
+              <a:t> will </a:t>
+            </a:r>
+            <a:r>
+              <a:rPr lang="de-DE" dirty="0" err="1" smtClean="0"/>
+              <a:t>trigger</a:t>
+            </a:r>
+            <a:r>
+              <a:rPr lang="de-DE" dirty="0" smtClean="0"/>
+              <a:t> </a:t>
+            </a:r>
+            <a:r>
+              <a:rPr lang="de-DE" dirty="0" err="1" smtClean="0"/>
+              <a:t>the</a:t>
+            </a:r>
+            <a:r>
+              <a:rPr lang="de-DE" dirty="0" smtClean="0"/>
+              <a:t> </a:t>
+            </a:r>
+            <a:r>
+              <a:rPr lang="de-DE" dirty="0" err="1" smtClean="0"/>
+              <a:t>models</a:t>
+            </a:r>
+            <a:r>
+              <a:rPr lang="de-DE" dirty="0" smtClean="0"/>
+              <a:t>‘ </a:t>
+            </a:r>
+            <a:r>
+              <a:rPr lang="de-DE" dirty="0" err="1" smtClean="0"/>
+              <a:t>own</a:t>
+            </a:r>
+            <a:r>
+              <a:rPr lang="de-DE" dirty="0" smtClean="0"/>
+              <a:t> </a:t>
+            </a:r>
+            <a:r>
+              <a:rPr lang="de-DE" dirty="0" err="1" smtClean="0"/>
+              <a:t>compile</a:t>
+            </a:r>
+            <a:r>
+              <a:rPr lang="de-DE" dirty="0" smtClean="0"/>
+              <a:t> </a:t>
+            </a:r>
+            <a:r>
+              <a:rPr lang="de-DE" dirty="0" err="1" smtClean="0"/>
+              <a:t>systems</a:t>
+            </a:r>
+            <a:r>
+              <a:rPr lang="de-DE" dirty="0" smtClean="0"/>
+              <a:t>, </a:t>
+            </a:r>
+            <a:r>
+              <a:rPr lang="de-DE" dirty="0" err="1" smtClean="0"/>
+              <a:t>rather</a:t>
+            </a:r>
+            <a:r>
+              <a:rPr lang="de-DE" dirty="0" smtClean="0"/>
+              <a:t> </a:t>
+            </a:r>
+            <a:r>
+              <a:rPr lang="de-DE" dirty="0" err="1" smtClean="0"/>
+              <a:t>than</a:t>
+            </a:r>
+            <a:r>
+              <a:rPr lang="de-DE" dirty="0" smtClean="0"/>
+              <a:t> </a:t>
+            </a:r>
+            <a:r>
+              <a:rPr lang="de-DE" dirty="0" err="1" smtClean="0"/>
+              <a:t>replace</a:t>
+            </a:r>
+            <a:r>
+              <a:rPr lang="de-DE" dirty="0" smtClean="0"/>
+              <a:t> </a:t>
+            </a:r>
+            <a:r>
+              <a:rPr lang="de-DE" dirty="0" err="1" smtClean="0"/>
+              <a:t>them</a:t>
+            </a:r>
+            <a:r>
+              <a:rPr lang="de-DE" dirty="0" smtClean="0"/>
+              <a:t>. </a:t>
+            </a:r>
+            <a:r>
+              <a:rPr lang="de-DE" dirty="0" err="1" smtClean="0"/>
+              <a:t>If</a:t>
+            </a:r>
+            <a:r>
+              <a:rPr lang="de-DE" dirty="0" smtClean="0"/>
+              <a:t> </a:t>
+            </a:r>
+            <a:r>
+              <a:rPr lang="de-DE" dirty="0" err="1" smtClean="0"/>
+              <a:t>present</a:t>
+            </a:r>
+            <a:r>
+              <a:rPr lang="de-DE" dirty="0" smtClean="0"/>
+              <a:t>, </a:t>
+            </a:r>
+            <a:r>
+              <a:rPr lang="de-DE" dirty="0" err="1" smtClean="0"/>
+              <a:t>the</a:t>
+            </a:r>
+            <a:r>
+              <a:rPr lang="de-DE" dirty="0" smtClean="0"/>
+              <a:t> </a:t>
+            </a:r>
+            <a:r>
+              <a:rPr lang="de-DE" dirty="0" err="1" smtClean="0"/>
+              <a:t>environment</a:t>
+            </a:r>
+            <a:r>
+              <a:rPr lang="de-DE" dirty="0" smtClean="0"/>
+              <a:t> </a:t>
+            </a:r>
+            <a:r>
+              <a:rPr lang="de-DE" dirty="0" err="1" smtClean="0"/>
+              <a:t>setting</a:t>
+            </a:r>
+            <a:r>
+              <a:rPr lang="de-DE" dirty="0" smtClean="0"/>
+              <a:t> will </a:t>
+            </a:r>
+            <a:r>
+              <a:rPr lang="de-DE" dirty="0" err="1" smtClean="0"/>
+              <a:t>be</a:t>
+            </a:r>
+            <a:r>
+              <a:rPr lang="de-DE" dirty="0" smtClean="0"/>
+              <a:t> </a:t>
+            </a:r>
+            <a:r>
+              <a:rPr lang="de-DE" dirty="0" err="1" smtClean="0"/>
+              <a:t>read</a:t>
+            </a:r>
+            <a:r>
+              <a:rPr lang="de-DE" dirty="0" smtClean="0"/>
+              <a:t> </a:t>
+            </a:r>
+            <a:r>
+              <a:rPr lang="de-DE" dirty="0" err="1" smtClean="0"/>
+              <a:t>from</a:t>
+            </a:r>
+            <a:r>
+              <a:rPr lang="de-DE" dirty="0" smtClean="0"/>
+              <a:t> </a:t>
+            </a:r>
+          </a:p>
+          <a:p>
+            <a:pPr marL="0" indent="0" algn="ctr">
+              <a:spcBef>
+                <a:spcPts val="800"/>
+              </a:spcBef>
+              <a:buNone/>
+            </a:pPr>
+            <a:r>
+              <a:rPr lang="de-DE" i="1" dirty="0" err="1" smtClean="0">
+                <a:latin typeface="STIXNonUnicode-Regular" charset="0"/>
+                <a:ea typeface="STIXNonUnicode-Regular" charset="0"/>
+                <a:cs typeface="STIXNonUnicode-Regular" charset="0"/>
+              </a:rPr>
+              <a:t>esm</a:t>
+            </a:r>
+            <a:r>
+              <a:rPr lang="de-DE" i="1" dirty="0" smtClean="0">
+                <a:latin typeface="STIXNonUnicode-Regular" charset="0"/>
+                <a:ea typeface="STIXNonUnicode-Regular" charset="0"/>
+                <a:cs typeface="STIXNonUnicode-Regular" charset="0"/>
+              </a:rPr>
+              <a:t>-environment</a:t>
+            </a:r>
+            <a:r>
+              <a:rPr lang="de-DE" dirty="0" smtClean="0"/>
+              <a:t> </a:t>
+            </a:r>
+          </a:p>
+          <a:p>
+            <a:pPr marL="0" indent="0" algn="ctr">
+              <a:spcBef>
+                <a:spcPts val="800"/>
+              </a:spcBef>
+              <a:buNone/>
+            </a:pPr>
+            <a:r>
+              <a:rPr lang="de-DE" dirty="0" smtClean="0"/>
+              <a:t>(</a:t>
+            </a:r>
+            <a:r>
+              <a:rPr lang="de-DE" dirty="0" err="1" smtClean="0"/>
+              <a:t>advised</a:t>
+            </a:r>
+            <a:r>
+              <a:rPr lang="de-DE" dirty="0" smtClean="0"/>
+              <a:t>); </a:t>
+            </a:r>
+            <a:r>
+              <a:rPr lang="de-DE" dirty="0" err="1" smtClean="0"/>
+              <a:t>if</a:t>
+            </a:r>
+            <a:r>
+              <a:rPr lang="de-DE" dirty="0" smtClean="0"/>
+              <a:t> not, </a:t>
+            </a:r>
+            <a:r>
+              <a:rPr lang="de-DE" dirty="0" err="1" smtClean="0"/>
+              <a:t>model</a:t>
+            </a:r>
+            <a:r>
+              <a:rPr lang="de-DE" dirty="0" smtClean="0"/>
+              <a:t> </a:t>
+            </a:r>
+            <a:r>
+              <a:rPr lang="de-DE" dirty="0" err="1" smtClean="0"/>
+              <a:t>defined</a:t>
+            </a:r>
+            <a:r>
+              <a:rPr lang="de-DE" dirty="0" smtClean="0"/>
+              <a:t> </a:t>
+            </a:r>
+            <a:r>
+              <a:rPr lang="de-DE" dirty="0" err="1" smtClean="0"/>
+              <a:t>settings</a:t>
+            </a:r>
+            <a:r>
+              <a:rPr lang="de-DE" dirty="0" smtClean="0"/>
+              <a:t> will </a:t>
+            </a:r>
+            <a:r>
+              <a:rPr lang="de-DE" dirty="0" err="1" smtClean="0"/>
+              <a:t>be</a:t>
+            </a:r>
+            <a:r>
+              <a:rPr lang="de-DE" dirty="0" smtClean="0"/>
+              <a:t> </a:t>
+            </a:r>
+            <a:r>
+              <a:rPr lang="de-DE" dirty="0" err="1" smtClean="0"/>
+              <a:t>used</a:t>
+            </a:r>
+            <a:r>
+              <a:rPr lang="de-DE" dirty="0" smtClean="0"/>
+              <a:t>.</a:t>
+            </a:r>
+          </a:p>
+          <a:p>
+            <a:pPr marL="0" indent="0" algn="ctr">
+              <a:spcBef>
+                <a:spcPts val="800"/>
+              </a:spcBef>
+              <a:buNone/>
+            </a:pPr>
+            <a:r>
+              <a:rPr lang="de-DE" dirty="0" err="1" smtClean="0"/>
+              <a:t>Compiled</a:t>
+            </a:r>
+            <a:r>
+              <a:rPr lang="de-DE" dirty="0" smtClean="0"/>
+              <a:t> </a:t>
+            </a:r>
+            <a:r>
+              <a:rPr lang="de-DE" dirty="0" err="1" smtClean="0"/>
+              <a:t>models</a:t>
+            </a:r>
+            <a:r>
+              <a:rPr lang="de-DE" dirty="0" smtClean="0"/>
+              <a:t> </a:t>
+            </a:r>
+            <a:r>
+              <a:rPr lang="de-DE" dirty="0" err="1" smtClean="0"/>
+              <a:t>are</a:t>
+            </a:r>
+            <a:r>
+              <a:rPr lang="de-DE" dirty="0" smtClean="0"/>
+              <a:t> registered in </a:t>
+            </a:r>
+            <a:r>
+              <a:rPr lang="de-DE" i="1" dirty="0" err="1" smtClean="0">
+                <a:latin typeface="STIXNonUnicode-Regular" charset="0"/>
+                <a:ea typeface="STIXNonUnicode-Regular" charset="0"/>
+                <a:cs typeface="STIXNonUnicode-Regular" charset="0"/>
+              </a:rPr>
+              <a:t>esm-master.conf</a:t>
+            </a:r>
+            <a:r>
+              <a:rPr lang="de-DE" dirty="0" smtClean="0"/>
+              <a:t>.</a:t>
+            </a:r>
+            <a:endParaRPr lang="de-DE" dirty="0"/>
+          </a:p>
+        </p:txBody>
+      </p:sp>
+    </p:spTree>
+    <p:extLst>
+      <p:ext uri="{BB962C8B-B14F-4D97-AF65-F5344CB8AC3E}">
+        <p14:creationId xmlns:p14="http://schemas.microsoft.com/office/powerpoint/2010/main" val="3000104"/>
+      </p:ext>
+    </p:extLst>
+  </p:cSld>
+  <p:clrMapOvr>
+    <a:masterClrMapping/>
+  </p:clrMapOvr>
+</p:sld>
+</file>
+
+<file path=ppt/slides/slide8.xml><?xml version="1.0" encoding="utf-8"?>
+<p:sld xmlns:a="http://schemas.openxmlformats.org/drawingml/2006/main" xmlns:r="http://schemas.openxmlformats.org/officeDocument/2006/relationships" xmlns:p="http://schemas.openxmlformats.org/presentationml/2006/main">
+  <p:cSld>
+    <p:spTree>
+      <p:nvGrpSpPr>
+        <p:cNvPr id="1" name=""/>
+        <p:cNvGrpSpPr/>
+        <p:nvPr/>
+      </p:nvGrpSpPr>
+      <p:grpSpPr>
+        <a:xfrm>
+          <a:off x="0" y="0"/>
+          <a:ext cx="0" cy="0"/>
+          <a:chOff x="0" y="0"/>
+          <a:chExt cx="0" cy="0"/>
+        </a:xfrm>
+      </p:grpSpPr>
+      <p:sp>
+        <p:nvSpPr>
+          <p:cNvPr id="2" name="Titel 1"/>
+          <p:cNvSpPr>
+            <a:spLocks noGrp="1"/>
+          </p:cNvSpPr>
+          <p:nvPr>
+            <p:ph type="title"/>
+          </p:nvPr>
+        </p:nvSpPr>
+        <p:spPr/>
+        <p:txBody>
+          <a:bodyPr>
+            <a:normAutofit/>
+          </a:bodyPr>
+          <a:lstStyle/>
+          <a:p>
+            <a:r>
+              <a:rPr lang="mr-IN" dirty="0" smtClean="0"/>
+              <a:t>…</a:t>
+            </a:r>
+            <a:r>
+              <a:rPr lang="de-DE" dirty="0" err="1" smtClean="0"/>
+              <a:t>and</a:t>
+            </a:r>
+            <a:r>
+              <a:rPr lang="de-DE" dirty="0" smtClean="0"/>
+              <a:t> </a:t>
+            </a:r>
+            <a:r>
+              <a:rPr lang="de-DE" dirty="0" err="1" smtClean="0"/>
+              <a:t>to</a:t>
+            </a:r>
+            <a:r>
+              <a:rPr lang="de-DE" dirty="0" smtClean="0"/>
+              <a:t> clean </a:t>
+            </a:r>
+            <a:r>
+              <a:rPr lang="de-DE" dirty="0" err="1" smtClean="0"/>
+              <a:t>stuff</a:t>
+            </a:r>
+            <a:r>
+              <a:rPr lang="de-DE" dirty="0" smtClean="0"/>
+              <a:t>.</a:t>
+            </a:r>
+            <a:endParaRPr lang="de-DE" dirty="0"/>
+          </a:p>
+        </p:txBody>
+      </p:sp>
+      <p:sp>
+        <p:nvSpPr>
+          <p:cNvPr id="3" name="Inhaltsplatzhalter 2"/>
+          <p:cNvSpPr>
+            <a:spLocks noGrp="1"/>
+          </p:cNvSpPr>
+          <p:nvPr>
+            <p:ph idx="1"/>
+          </p:nvPr>
+        </p:nvSpPr>
+        <p:spPr>
+          <a:xfrm>
+            <a:off x="454526" y="2114886"/>
+            <a:ext cx="8301790" cy="3931920"/>
+          </a:xfrm>
+        </p:spPr>
+        <p:txBody>
+          <a:bodyPr>
+            <a:normAutofit/>
+          </a:bodyPr>
+          <a:lstStyle/>
+          <a:p>
+            <a:pPr marL="0" indent="0" algn="ctr">
+              <a:spcBef>
+                <a:spcPts val="800"/>
+              </a:spcBef>
+              <a:buNone/>
+            </a:pPr>
+            <a:r>
+              <a:rPr lang="de-DE" dirty="0">
+                <a:latin typeface="STIXNonUnicode-Regular" charset="0"/>
+                <a:ea typeface="STIXNonUnicode-Regular" charset="0"/>
+                <a:cs typeface="STIXNonUnicode-Regular" charset="0"/>
+              </a:rPr>
+              <a:t>'</a:t>
+            </a:r>
+            <a:r>
+              <a:rPr lang="de-DE" i="1" dirty="0" err="1" smtClean="0">
+                <a:latin typeface="STIXNonUnicode-Regular" charset="0"/>
+                <a:ea typeface="STIXNonUnicode-Regular" charset="0"/>
+                <a:cs typeface="STIXNonUnicode-Regular" charset="0"/>
+              </a:rPr>
+              <a:t>make</a:t>
+            </a:r>
+            <a:r>
+              <a:rPr lang="de-DE" i="1" dirty="0" smtClean="0">
+                <a:latin typeface="STIXNonUnicode-Regular" charset="0"/>
+                <a:ea typeface="STIXNonUnicode-Regular" charset="0"/>
+                <a:cs typeface="STIXNonUnicode-Regular" charset="0"/>
+              </a:rPr>
+              <a:t> clean-</a:t>
+            </a:r>
+            <a:r>
+              <a:rPr lang="de-DE" i="1" dirty="0" err="1" smtClean="0">
+                <a:latin typeface="STIXNonUnicode-Regular" charset="0"/>
+                <a:ea typeface="STIXNonUnicode-Regular" charset="0"/>
+                <a:cs typeface="STIXNonUnicode-Regular" charset="0"/>
+              </a:rPr>
+              <a:t>stuff</a:t>
+            </a:r>
+            <a:r>
+              <a:rPr lang="de-DE" i="1" dirty="0" smtClean="0">
+                <a:latin typeface="STIXNonUnicode-Regular" charset="0"/>
+                <a:ea typeface="STIXNonUnicode-Regular" charset="0"/>
+                <a:cs typeface="STIXNonUnicode-Regular" charset="0"/>
+              </a:rPr>
+              <a:t>-version</a:t>
+            </a:r>
+            <a:r>
+              <a:rPr lang="de-DE" dirty="0">
+                <a:latin typeface="STIXNonUnicode-Regular" charset="0"/>
+                <a:ea typeface="STIXNonUnicode-Regular" charset="0"/>
+                <a:cs typeface="STIXNonUnicode-Regular" charset="0"/>
+              </a:rPr>
+              <a:t>'</a:t>
+            </a:r>
+            <a:endParaRPr lang="de-DE" dirty="0" smtClean="0">
+              <a:latin typeface="STIXNonUnicode-Regular" charset="0"/>
+              <a:ea typeface="STIXNonUnicode-Regular" charset="0"/>
+              <a:cs typeface="STIXNonUnicode-Regular" charset="0"/>
+            </a:endParaRPr>
+          </a:p>
+          <a:p>
+            <a:pPr marL="0" indent="0" algn="ctr">
+              <a:spcBef>
+                <a:spcPts val="800"/>
+              </a:spcBef>
+              <a:buNone/>
+            </a:pPr>
+            <a:endParaRPr lang="de-DE" dirty="0"/>
+          </a:p>
+          <a:p>
+            <a:pPr marL="0" indent="0" algn="ctr">
+              <a:spcBef>
+                <a:spcPts val="800"/>
+              </a:spcBef>
+              <a:buNone/>
+            </a:pPr>
+            <a:r>
+              <a:rPr lang="de-DE" i="1" dirty="0" err="1" smtClean="0">
+                <a:latin typeface="STIXNonUnicode-Regular" charset="0"/>
+                <a:ea typeface="STIXNonUnicode-Regular" charset="0"/>
+                <a:cs typeface="STIXNonUnicode-Regular" charset="0"/>
+              </a:rPr>
+              <a:t>esm</a:t>
+            </a:r>
+            <a:r>
+              <a:rPr lang="de-DE" i="1" dirty="0" smtClean="0">
+                <a:latin typeface="STIXNonUnicode-Regular" charset="0"/>
+                <a:ea typeface="STIXNonUnicode-Regular" charset="0"/>
+                <a:cs typeface="STIXNonUnicode-Regular" charset="0"/>
+              </a:rPr>
+              <a:t>-master</a:t>
+            </a:r>
+            <a:r>
+              <a:rPr lang="de-DE" dirty="0" smtClean="0"/>
+              <a:t> will </a:t>
+            </a:r>
+            <a:r>
+              <a:rPr lang="de-DE" dirty="0" err="1" smtClean="0"/>
+              <a:t>trigger</a:t>
+            </a:r>
+            <a:r>
+              <a:rPr lang="de-DE" dirty="0" smtClean="0"/>
+              <a:t> </a:t>
+            </a:r>
+            <a:r>
+              <a:rPr lang="de-DE" dirty="0" err="1" smtClean="0"/>
+              <a:t>the</a:t>
+            </a:r>
+            <a:r>
+              <a:rPr lang="de-DE" dirty="0" smtClean="0"/>
+              <a:t> </a:t>
+            </a:r>
+            <a:r>
+              <a:rPr lang="de-DE" dirty="0" err="1" smtClean="0"/>
+              <a:t>models</a:t>
+            </a:r>
+            <a:r>
+              <a:rPr lang="de-DE" dirty="0" smtClean="0"/>
+              <a:t>‘ </a:t>
+            </a:r>
+            <a:r>
+              <a:rPr lang="de-DE" dirty="0" err="1" smtClean="0"/>
+              <a:t>own</a:t>
+            </a:r>
+            <a:r>
+              <a:rPr lang="de-DE" dirty="0" smtClean="0"/>
+              <a:t> </a:t>
+            </a:r>
+            <a:r>
+              <a:rPr lang="de-DE" dirty="0" err="1" smtClean="0"/>
+              <a:t>compile</a:t>
+            </a:r>
+            <a:r>
+              <a:rPr lang="de-DE" dirty="0" smtClean="0"/>
+              <a:t> </a:t>
+            </a:r>
+            <a:r>
+              <a:rPr lang="de-DE" dirty="0" err="1" smtClean="0"/>
+              <a:t>systems</a:t>
+            </a:r>
+            <a:r>
+              <a:rPr lang="de-DE" dirty="0" smtClean="0"/>
+              <a:t>, </a:t>
+            </a:r>
+            <a:r>
+              <a:rPr lang="de-DE" dirty="0" err="1" smtClean="0"/>
+              <a:t>rather</a:t>
+            </a:r>
+            <a:r>
+              <a:rPr lang="de-DE" dirty="0" smtClean="0"/>
+              <a:t> </a:t>
+            </a:r>
+            <a:r>
+              <a:rPr lang="de-DE" dirty="0" err="1" smtClean="0"/>
+              <a:t>than</a:t>
+            </a:r>
+            <a:r>
+              <a:rPr lang="de-DE" dirty="0" smtClean="0"/>
+              <a:t> </a:t>
+            </a:r>
+            <a:r>
+              <a:rPr lang="de-DE" dirty="0" err="1" smtClean="0"/>
+              <a:t>replace</a:t>
+            </a:r>
+            <a:r>
+              <a:rPr lang="de-DE" dirty="0" smtClean="0"/>
+              <a:t> </a:t>
+            </a:r>
+            <a:r>
+              <a:rPr lang="de-DE" dirty="0" err="1" smtClean="0"/>
+              <a:t>them</a:t>
+            </a:r>
+            <a:r>
+              <a:rPr lang="de-DE" dirty="0" smtClean="0"/>
+              <a:t>. </a:t>
+            </a:r>
+            <a:r>
+              <a:rPr lang="de-DE" dirty="0" err="1" smtClean="0"/>
+              <a:t>If</a:t>
+            </a:r>
+            <a:r>
+              <a:rPr lang="de-DE" dirty="0" smtClean="0"/>
+              <a:t> </a:t>
+            </a:r>
+            <a:r>
+              <a:rPr lang="de-DE" dirty="0" err="1" smtClean="0"/>
+              <a:t>present</a:t>
+            </a:r>
+            <a:r>
+              <a:rPr lang="de-DE" dirty="0" smtClean="0"/>
+              <a:t>, </a:t>
+            </a:r>
+            <a:r>
+              <a:rPr lang="de-DE" dirty="0" err="1" smtClean="0"/>
+              <a:t>the</a:t>
+            </a:r>
+            <a:r>
+              <a:rPr lang="de-DE" dirty="0" smtClean="0"/>
+              <a:t> </a:t>
+            </a:r>
+            <a:r>
+              <a:rPr lang="de-DE" dirty="0" err="1" smtClean="0"/>
+              <a:t>environment</a:t>
+            </a:r>
+            <a:r>
+              <a:rPr lang="de-DE" dirty="0" smtClean="0"/>
+              <a:t> </a:t>
+            </a:r>
+            <a:r>
+              <a:rPr lang="de-DE" dirty="0" err="1" smtClean="0"/>
+              <a:t>setting</a:t>
+            </a:r>
+            <a:r>
+              <a:rPr lang="de-DE" dirty="0" smtClean="0"/>
+              <a:t> will </a:t>
+            </a:r>
+            <a:r>
+              <a:rPr lang="de-DE" dirty="0" err="1" smtClean="0"/>
+              <a:t>be</a:t>
+            </a:r>
+            <a:r>
+              <a:rPr lang="de-DE" dirty="0" smtClean="0"/>
+              <a:t> </a:t>
+            </a:r>
+            <a:r>
+              <a:rPr lang="de-DE" dirty="0" err="1" smtClean="0"/>
+              <a:t>read</a:t>
+            </a:r>
+            <a:r>
+              <a:rPr lang="de-DE" dirty="0" smtClean="0"/>
+              <a:t> </a:t>
+            </a:r>
+            <a:r>
+              <a:rPr lang="de-DE" dirty="0" err="1" smtClean="0"/>
+              <a:t>from</a:t>
+            </a:r>
+            <a:r>
+              <a:rPr lang="de-DE" dirty="0" smtClean="0"/>
+              <a:t> </a:t>
+            </a:r>
+          </a:p>
+          <a:p>
+            <a:pPr marL="0" indent="0" algn="ctr">
+              <a:spcBef>
+                <a:spcPts val="800"/>
+              </a:spcBef>
+              <a:buNone/>
+            </a:pPr>
+            <a:r>
+              <a:rPr lang="de-DE" i="1" dirty="0" err="1" smtClean="0">
+                <a:latin typeface="STIXNonUnicode-Regular" charset="0"/>
+                <a:ea typeface="STIXNonUnicode-Regular" charset="0"/>
+                <a:cs typeface="STIXNonUnicode-Regular" charset="0"/>
+              </a:rPr>
+              <a:t>esm</a:t>
+            </a:r>
+            <a:r>
+              <a:rPr lang="de-DE" i="1" dirty="0" smtClean="0">
+                <a:latin typeface="STIXNonUnicode-Regular" charset="0"/>
+                <a:ea typeface="STIXNonUnicode-Regular" charset="0"/>
+                <a:cs typeface="STIXNonUnicode-Regular" charset="0"/>
+              </a:rPr>
+              <a:t>-environment</a:t>
+            </a:r>
+            <a:r>
+              <a:rPr lang="de-DE" dirty="0" smtClean="0"/>
+              <a:t> </a:t>
+            </a:r>
+          </a:p>
+          <a:p>
+            <a:pPr marL="0" indent="0" algn="ctr">
+              <a:spcBef>
+                <a:spcPts val="800"/>
+              </a:spcBef>
+              <a:buNone/>
+            </a:pPr>
+            <a:r>
+              <a:rPr lang="de-DE" dirty="0" smtClean="0"/>
+              <a:t>(</a:t>
+            </a:r>
+            <a:r>
+              <a:rPr lang="de-DE" dirty="0" err="1" smtClean="0"/>
+              <a:t>advised</a:t>
+            </a:r>
+            <a:r>
+              <a:rPr lang="de-DE" dirty="0" smtClean="0"/>
+              <a:t>); </a:t>
+            </a:r>
+            <a:r>
+              <a:rPr lang="de-DE" dirty="0" err="1" smtClean="0"/>
+              <a:t>if</a:t>
+            </a:r>
+            <a:r>
+              <a:rPr lang="de-DE" dirty="0" smtClean="0"/>
+              <a:t> not, </a:t>
+            </a:r>
+            <a:r>
+              <a:rPr lang="de-DE" dirty="0" err="1" smtClean="0"/>
+              <a:t>model</a:t>
+            </a:r>
+            <a:r>
+              <a:rPr lang="de-DE" dirty="0" smtClean="0"/>
+              <a:t> </a:t>
+            </a:r>
+            <a:r>
+              <a:rPr lang="de-DE" dirty="0" err="1" smtClean="0"/>
+              <a:t>defined</a:t>
+            </a:r>
+            <a:r>
+              <a:rPr lang="de-DE" dirty="0" smtClean="0"/>
+              <a:t> </a:t>
+            </a:r>
+            <a:r>
+              <a:rPr lang="de-DE" dirty="0" err="1" smtClean="0"/>
+              <a:t>settings</a:t>
+            </a:r>
+            <a:r>
+              <a:rPr lang="de-DE" dirty="0" smtClean="0"/>
+              <a:t> will </a:t>
+            </a:r>
+            <a:r>
+              <a:rPr lang="de-DE" dirty="0" err="1" smtClean="0"/>
+              <a:t>be</a:t>
+            </a:r>
+            <a:r>
+              <a:rPr lang="de-DE" dirty="0" smtClean="0"/>
+              <a:t> </a:t>
+            </a:r>
+            <a:r>
+              <a:rPr lang="de-DE" dirty="0" err="1" smtClean="0"/>
+              <a:t>used</a:t>
+            </a:r>
+            <a:r>
+              <a:rPr lang="de-DE" dirty="0" smtClean="0"/>
+              <a:t>.</a:t>
+            </a:r>
+            <a:endParaRPr lang="de-DE" dirty="0"/>
+          </a:p>
+        </p:txBody>
+      </p:sp>
+    </p:spTree>
+    <p:extLst>
+      <p:ext uri="{BB962C8B-B14F-4D97-AF65-F5344CB8AC3E}">
+        <p14:creationId xmlns:p14="http://schemas.microsoft.com/office/powerpoint/2010/main" val="867801678"/>
+      </p:ext>
+    </p:extLst>
+  </p:cSld>
+  <p:clrMapOvr>
+    <a:masterClrMapping/>
+  </p:clrMapOvr>
+</p:sld>
+</file>
+
+<file path=ppt/slides/slide9.xml><?xml version="1.0" encoding="utf-8"?>
+<p:sld xmlns:a="http://schemas.openxmlformats.org/drawingml/2006/main" xmlns:r="http://schemas.openxmlformats.org/officeDocument/2006/relationships" xmlns:p="http://schemas.openxmlformats.org/presentationml/2006/main">
+  <p:cSld>
+    <p:spTree>
+      <p:nvGrpSpPr>
+        <p:cNvPr id="1" name=""/>
+        <p:cNvGrpSpPr/>
+        <p:nvPr/>
+      </p:nvGrpSpPr>
+      <p:grpSpPr>
+        <a:xfrm>
+          <a:off x="0" y="0"/>
+          <a:ext cx="0" cy="0"/>
+          <a:chOff x="0" y="0"/>
+          <a:chExt cx="0" cy="0"/>
+        </a:xfrm>
+      </p:grpSpPr>
+      <p:sp>
+        <p:nvSpPr>
+          <p:cNvPr id="2" name="Titel 1"/>
+          <p:cNvSpPr>
+            <a:spLocks noGrp="1"/>
+          </p:cNvSpPr>
+          <p:nvPr>
+            <p:ph type="title"/>
+          </p:nvPr>
+        </p:nvSpPr>
+        <p:spPr/>
+        <p:txBody>
+          <a:bodyPr>
+            <a:normAutofit/>
+          </a:bodyPr>
+          <a:lstStyle/>
+          <a:p>
+            <a:r>
+              <a:rPr lang="de-DE" dirty="0" err="1" smtClean="0"/>
+              <a:t>Metarepositories</a:t>
+            </a:r>
+            <a:endParaRPr lang="de-DE" dirty="0"/>
+          </a:p>
+        </p:txBody>
+      </p:sp>
+      <p:sp>
+        <p:nvSpPr>
+          <p:cNvPr id="3" name="Inhaltsplatzhalter 2"/>
+          <p:cNvSpPr>
+            <a:spLocks noGrp="1"/>
+          </p:cNvSpPr>
+          <p:nvPr>
+            <p:ph idx="1"/>
+          </p:nvPr>
+        </p:nvSpPr>
+        <p:spPr>
+          <a:xfrm>
+            <a:off x="454526" y="2114886"/>
+            <a:ext cx="8301790" cy="3931920"/>
+          </a:xfrm>
+        </p:spPr>
+        <p:txBody>
+          <a:bodyPr>
+            <a:normAutofit/>
+          </a:bodyPr>
+          <a:lstStyle/>
+          <a:p>
+            <a:pPr marL="0" indent="0" algn="ctr">
+              <a:spcBef>
+                <a:spcPts val="800"/>
+              </a:spcBef>
+              <a:buNone/>
+            </a:pPr>
+            <a:endParaRPr lang="de-DE" dirty="0"/>
+          </a:p>
+          <a:p>
+            <a:pPr marL="0" indent="0" algn="ctr">
+              <a:spcBef>
+                <a:spcPts val="800"/>
+              </a:spcBef>
+              <a:buNone/>
+            </a:pPr>
+            <a:r>
+              <a:rPr lang="de-DE" i="1" dirty="0" err="1" smtClean="0">
+                <a:latin typeface="STIXNonUnicode-Regular" charset="0"/>
+                <a:ea typeface="STIXNonUnicode-Regular" charset="0"/>
+                <a:cs typeface="STIXNonUnicode-Regular" charset="0"/>
+              </a:rPr>
+              <a:t>esm</a:t>
+            </a:r>
+            <a:r>
+              <a:rPr lang="de-DE" i="1" dirty="0" smtClean="0">
+                <a:latin typeface="STIXNonUnicode-Regular" charset="0"/>
+                <a:ea typeface="STIXNonUnicode-Regular" charset="0"/>
+                <a:cs typeface="STIXNonUnicode-Regular" charset="0"/>
+              </a:rPr>
+              <a:t>-master</a:t>
+            </a:r>
+            <a:r>
+              <a:rPr lang="de-DE" dirty="0" smtClean="0"/>
+              <a:t> </a:t>
+            </a:r>
+            <a:r>
+              <a:rPr lang="de-DE" dirty="0" err="1" smtClean="0"/>
+              <a:t>can</a:t>
+            </a:r>
+            <a:r>
+              <a:rPr lang="de-DE" dirty="0" smtClean="0"/>
+              <a:t> </a:t>
+            </a:r>
+            <a:r>
+              <a:rPr lang="de-DE" dirty="0" err="1" smtClean="0"/>
+              <a:t>assemble</a:t>
+            </a:r>
+            <a:r>
+              <a:rPr lang="de-DE" dirty="0" smtClean="0"/>
+              <a:t> an ESM </a:t>
+            </a:r>
+            <a:r>
+              <a:rPr lang="de-DE" dirty="0" err="1" smtClean="0"/>
+              <a:t>from</a:t>
+            </a:r>
+            <a:r>
+              <a:rPr lang="de-DE" dirty="0" smtClean="0"/>
+              <a:t> </a:t>
+            </a:r>
+            <a:r>
+              <a:rPr lang="de-DE" dirty="0" err="1" smtClean="0"/>
+              <a:t>seperate</a:t>
+            </a:r>
+            <a:r>
+              <a:rPr lang="de-DE" dirty="0" smtClean="0"/>
+              <a:t> </a:t>
+            </a:r>
+            <a:r>
+              <a:rPr lang="de-DE" dirty="0" err="1" smtClean="0"/>
+              <a:t>component</a:t>
+            </a:r>
+            <a:r>
+              <a:rPr lang="de-DE" dirty="0" smtClean="0"/>
+              <a:t> </a:t>
+            </a:r>
+            <a:r>
+              <a:rPr lang="de-DE" dirty="0" err="1" smtClean="0"/>
+              <a:t>repositories</a:t>
+            </a:r>
+            <a:r>
+              <a:rPr lang="de-DE" dirty="0" smtClean="0"/>
+              <a:t>, e.g. awicm-2.0.</a:t>
+            </a:r>
+          </a:p>
+          <a:p>
+            <a:pPr marL="0" indent="0" algn="ctr">
+              <a:spcBef>
+                <a:spcPts val="800"/>
+              </a:spcBef>
+              <a:buNone/>
+            </a:pPr>
+            <a:endParaRPr lang="de-DE" dirty="0"/>
+          </a:p>
+          <a:p>
+            <a:pPr marL="0" indent="0" algn="ctr">
+              <a:spcBef>
+                <a:spcPts val="800"/>
+              </a:spcBef>
+              <a:buNone/>
+            </a:pPr>
+            <a:r>
+              <a:rPr lang="de-DE" dirty="0" smtClean="0"/>
+              <a:t>This </a:t>
+            </a:r>
+            <a:r>
+              <a:rPr lang="de-DE" dirty="0" err="1" smtClean="0"/>
+              <a:t>happens</a:t>
+            </a:r>
+            <a:r>
+              <a:rPr lang="de-DE" dirty="0" smtClean="0"/>
+              <a:t> invisible </a:t>
+            </a:r>
+            <a:r>
+              <a:rPr lang="de-DE" dirty="0" err="1" smtClean="0"/>
+              <a:t>to</a:t>
+            </a:r>
+            <a:r>
+              <a:rPr lang="de-DE" dirty="0" smtClean="0"/>
+              <a:t> </a:t>
+            </a:r>
+            <a:r>
+              <a:rPr lang="de-DE" dirty="0" err="1" smtClean="0"/>
+              <a:t>the</a:t>
+            </a:r>
+            <a:r>
+              <a:rPr lang="de-DE" dirty="0" smtClean="0"/>
+              <a:t> </a:t>
+            </a:r>
+            <a:r>
+              <a:rPr lang="de-DE" dirty="0" err="1" smtClean="0"/>
+              <a:t>user</a:t>
+            </a:r>
+            <a:r>
+              <a:rPr lang="de-DE" dirty="0" smtClean="0"/>
+              <a:t>.</a:t>
+            </a:r>
+            <a:endParaRPr lang="de-DE" dirty="0" smtClean="0"/>
+          </a:p>
+        </p:txBody>
+      </p:sp>
+    </p:spTree>
+    <p:extLst>
+      <p:ext uri="{BB962C8B-B14F-4D97-AF65-F5344CB8AC3E}">
+        <p14:creationId xmlns:p14="http://schemas.microsoft.com/office/powerpoint/2010/main" val="1099950240"/>
+      </p:ext>
+    </p:extLst>
+  </p:cSld>
+  <p:clrMapOvr>
+    <a:masterClrMapping/>
+  </p:clrMapOvr>
+</p:sld>
+</file>
+
 <file path=ppt/theme/theme1.xml><?xml version="1.0" encoding="utf-8"?>
 <a:theme xmlns:a="http://schemas.openxmlformats.org/drawingml/2006/main" name="Capital">
   <a:themeElements>
-    <a:clrScheme name="Mnemosyne">
+    <a:clrScheme name="Custom 2">
       <a:dk1>
         <a:srgbClr val="000000"/>
       </a:dk1>
@@ -8191,10 +12030,10 @@
         <a:srgbClr val="8D35D1"/>
       </a:accent6>
       <a:hlink>
-        <a:srgbClr val="ECBF0B"/>
+        <a:srgbClr val="1F93EC"/>
       </a:hlink>
       <a:folHlink>
-        <a:srgbClr val="F4E5A8"/>
+        <a:srgbClr val="0D00F4"/>
       </a:folHlink>
     </a:clrScheme>
     <a:fontScheme name="Capital">

--- a/esm-master.pptx
+++ b/esm-master.pptx
@@ -569,7 +569,7 @@
           <a:p>
             <a:fld id="{7D290233-0DD1-4A80-BB1E-9ADC3556DBB6}" type="datetimeFigureOut">
               <a:rPr lang="en-US" smtClean="0"/>
-              <a:t>6/16/18</a:t>
+              <a:t>6/18/18</a:t>
             </a:fld>
             <a:endParaRPr lang="en-US"/>
           </a:p>
@@ -1208,7 +1208,7 @@
           <a:p>
             <a:fld id="{7D290233-0DD1-4A80-BB1E-9ADC3556DBB6}" type="datetimeFigureOut">
               <a:rPr lang="en-US" smtClean="0"/>
-              <a:t>6/16/18</a:t>
+              <a:t>6/18/18</a:t>
             </a:fld>
             <a:endParaRPr lang="en-US"/>
           </a:p>
@@ -1780,7 +1780,7 @@
           <a:p>
             <a:fld id="{7D290233-0DD1-4A80-BB1E-9ADC3556DBB6}" type="datetimeFigureOut">
               <a:rPr lang="en-US" smtClean="0"/>
-              <a:t>6/16/18</a:t>
+              <a:t>6/18/18</a:t>
             </a:fld>
             <a:endParaRPr lang="en-US"/>
           </a:p>
@@ -2314,7 +2314,7 @@
           <a:p>
             <a:fld id="{7D290233-0DD1-4A80-BB1E-9ADC3556DBB6}" type="datetimeFigureOut">
               <a:rPr lang="en-US" smtClean="0"/>
-              <a:t>6/16/18</a:t>
+              <a:t>6/18/18</a:t>
             </a:fld>
             <a:endParaRPr lang="en-US"/>
           </a:p>
@@ -2744,7 +2744,7 @@
           <a:p>
             <a:fld id="{7D290233-0DD1-4A80-BB1E-9ADC3556DBB6}" type="datetimeFigureOut">
               <a:rPr lang="en-US" smtClean="0"/>
-              <a:t>6/16/18</a:t>
+              <a:t>6/18/18</a:t>
             </a:fld>
             <a:endParaRPr lang="en-US"/>
           </a:p>
@@ -3205,7 +3205,7 @@
           <a:p>
             <a:fld id="{7D290233-0DD1-4A80-BB1E-9ADC3556DBB6}" type="datetimeFigureOut">
               <a:rPr lang="en-US" smtClean="0"/>
-              <a:t>6/16/18</a:t>
+              <a:t>6/18/18</a:t>
             </a:fld>
             <a:endParaRPr lang="en-US"/>
           </a:p>
@@ -3635,7 +3635,7 @@
           <a:p>
             <a:fld id="{7D290233-0DD1-4A80-BB1E-9ADC3556DBB6}" type="datetimeFigureOut">
               <a:rPr lang="en-US" smtClean="0"/>
-              <a:t>6/16/18</a:t>
+              <a:t>6/18/18</a:t>
             </a:fld>
             <a:endParaRPr lang="en-US"/>
           </a:p>
@@ -4109,7 +4109,7 @@
           <a:p>
             <a:fld id="{7D290233-0DD1-4A80-BB1E-9ADC3556DBB6}" type="datetimeFigureOut">
               <a:rPr lang="en-US" smtClean="0"/>
-              <a:t>6/16/18</a:t>
+              <a:t>6/18/18</a:t>
             </a:fld>
             <a:endParaRPr lang="en-US"/>
           </a:p>
@@ -4559,7 +4559,7 @@
           <a:p>
             <a:fld id="{7D290233-0DD1-4A80-BB1E-9ADC3556DBB6}" type="datetimeFigureOut">
               <a:rPr lang="en-US" smtClean="0"/>
-              <a:t>6/16/18</a:t>
+              <a:t>6/18/18</a:t>
             </a:fld>
             <a:endParaRPr lang="en-US"/>
           </a:p>
@@ -5079,7 +5079,7 @@
           <a:p>
             <a:fld id="{7D290233-0DD1-4A80-BB1E-9ADC3556DBB6}" type="datetimeFigureOut">
               <a:rPr lang="en-US" smtClean="0"/>
-              <a:t>6/16/18</a:t>
+              <a:t>6/18/18</a:t>
             </a:fld>
             <a:endParaRPr lang="en-US"/>
           </a:p>
@@ -5855,7 +5855,7 @@
           <a:p>
             <a:fld id="{7D290233-0DD1-4A80-BB1E-9ADC3556DBB6}" type="datetimeFigureOut">
               <a:rPr lang="en-US" smtClean="0"/>
-              <a:t>6/16/18</a:t>
+              <a:t>6/18/18</a:t>
             </a:fld>
             <a:endParaRPr lang="en-US"/>
           </a:p>
@@ -6201,7 +6201,7 @@
           <a:p>
             <a:fld id="{7D290233-0DD1-4A80-BB1E-9ADC3556DBB6}" type="datetimeFigureOut">
               <a:rPr lang="en-US" smtClean="0"/>
-              <a:t>6/16/18</a:t>
+              <a:t>6/18/18</a:t>
             </a:fld>
             <a:endParaRPr lang="en-US"/>
           </a:p>
@@ -6470,7 +6470,7 @@
           <a:p>
             <a:fld id="{7D290233-0DD1-4A80-BB1E-9ADC3556DBB6}" type="datetimeFigureOut">
               <a:rPr lang="en-US" smtClean="0"/>
-              <a:t>6/16/18</a:t>
+              <a:t>6/18/18</a:t>
             </a:fld>
             <a:endParaRPr lang="en-US"/>
           </a:p>
@@ -7055,7 +7055,7 @@
           <a:p>
             <a:fld id="{7D290233-0DD1-4A80-BB1E-9ADC3556DBB6}" type="datetimeFigureOut">
               <a:rPr lang="en-US" smtClean="0"/>
-              <a:t>6/16/18</a:t>
+              <a:t>6/18/18</a:t>
             </a:fld>
             <a:endParaRPr lang="en-US"/>
           </a:p>
@@ -7293,7 +7293,7 @@
           <a:p>
             <a:fld id="{7D290233-0DD1-4A80-BB1E-9ADC3556DBB6}" type="datetimeFigureOut">
               <a:rPr lang="en-US" smtClean="0"/>
-              <a:t>6/16/18</a:t>
+              <a:t>6/18/18</a:t>
             </a:fld>
             <a:endParaRPr lang="en-US"/>
           </a:p>
@@ -7838,6 +7838,13 @@
   <p:clrMapOvr>
     <a:masterClrMapping/>
   </p:clrMapOvr>
+  <p:timing>
+    <p:tnLst>
+      <p:par>
+        <p:cTn id="1" dur="indefinite" restart="never" nodeType="tmRoot"/>
+      </p:par>
+    </p:tnLst>
+  </p:timing>
 </p:sld>
 </file>
 
@@ -8212,6 +8219,13 @@
   <p:clrMapOvr>
     <a:masterClrMapping/>
   </p:clrMapOvr>
+  <p:timing>
+    <p:tnLst>
+      <p:par>
+        <p:cTn id="1" dur="indefinite" restart="never" nodeType="tmRoot"/>
+      </p:par>
+    </p:tnLst>
+  </p:timing>
 </p:sld>
 </file>
 
@@ -8741,6 +8755,13 @@
   <p:clrMapOvr>
     <a:masterClrMapping/>
   </p:clrMapOvr>
+  <p:timing>
+    <p:tnLst>
+      <p:par>
+        <p:cTn id="1" dur="indefinite" restart="never" nodeType="tmRoot"/>
+      </p:par>
+    </p:tnLst>
+  </p:timing>
 </p:sld>
 </file>
 
@@ -8997,6 +9018,13 @@
   <p:clrMapOvr>
     <a:masterClrMapping/>
   </p:clrMapOvr>
+  <p:timing>
+    <p:tnLst>
+      <p:par>
+        <p:cTn id="1" dur="indefinite" restart="never" nodeType="tmRoot"/>
+      </p:par>
+    </p:tnLst>
+  </p:timing>
 </p:sld>
 </file>
 
@@ -9466,6 +9494,13 @@
   <p:clrMapOvr>
     <a:masterClrMapping/>
   </p:clrMapOvr>
+  <p:timing>
+    <p:tnLst>
+      <p:par>
+        <p:cTn id="1" dur="indefinite" restart="never" nodeType="tmRoot"/>
+      </p:par>
+    </p:tnLst>
+  </p:timing>
 </p:sld>
 </file>
 
@@ -9852,6 +9887,13 @@
   <p:clrMapOvr>
     <a:masterClrMapping/>
   </p:clrMapOvr>
+  <p:timing>
+    <p:tnLst>
+      <p:par>
+        <p:cTn id="1" dur="indefinite" restart="never" nodeType="tmRoot"/>
+      </p:par>
+    </p:tnLst>
+  </p:timing>
 </p:sld>
 </file>
 
@@ -10336,6 +10378,13 @@
   <p:clrMapOvr>
     <a:masterClrMapping/>
   </p:clrMapOvr>
+  <p:timing>
+    <p:tnLst>
+      <p:par>
+        <p:cTn id="1" dur="indefinite" restart="never" nodeType="tmRoot"/>
+      </p:par>
+    </p:tnLst>
+  </p:timing>
 </p:sld>
 </file>
 
@@ -10833,6 +10882,13 @@
   <p:clrMapOvr>
     <a:masterClrMapping/>
   </p:clrMapOvr>
+  <p:timing>
+    <p:tnLst>
+      <p:par>
+        <p:cTn id="1" dur="indefinite" restart="never" nodeType="tmRoot"/>
+      </p:par>
+    </p:tnLst>
+  </p:timing>
 </p:sld>
 </file>
 
@@ -11334,6 +11390,13 @@
   <p:clrMapOvr>
     <a:masterClrMapping/>
   </p:clrMapOvr>
+  <p:timing>
+    <p:tnLst>
+      <p:par>
+        <p:cTn id="1" dur="indefinite" restart="never" nodeType="tmRoot"/>
+      </p:par>
+    </p:tnLst>
+  </p:timing>
 </p:sld>
 </file>
 
@@ -11775,6 +11838,13 @@
   <p:clrMapOvr>
     <a:masterClrMapping/>
   </p:clrMapOvr>
+  <p:timing>
+    <p:tnLst>
+      <p:par>
+        <p:cTn id="1" dur="indefinite" restart="never" nodeType="tmRoot"/>
+      </p:par>
+    </p:tnLst>
+  </p:timing>
 </p:sld>
 </file>
 
@@ -11978,7 +12048,6 @@
               <a:rPr lang="de-DE" dirty="0" smtClean="0"/>
               <a:t>.</a:t>
             </a:r>
-            <a:endParaRPr lang="de-DE" dirty="0" smtClean="0"/>
           </a:p>
         </p:txBody>
       </p:sp>
@@ -11992,6 +12061,13 @@
   <p:clrMapOvr>
     <a:masterClrMapping/>
   </p:clrMapOvr>
+  <p:timing>
+    <p:tnLst>
+      <p:par>
+        <p:cTn id="1" dur="indefinite" restart="never" nodeType="tmRoot"/>
+      </p:par>
+    </p:tnLst>
+  </p:timing>
 </p:sld>
 </file>
 
